--- a/Code Design.pptx
+++ b/Code Design.pptx
@@ -105,6 +105,11 @@
       </a:defRPr>
     </a:lvl9pPr>
   </p:defaultTextStyle>
+  <p:extLst>
+    <p:ext uri="{EFAFB233-063F-42B5-8137-9DF3F51BA10A}">
+      <p15:sldGuideLst xmlns:p15="http://schemas.microsoft.com/office/powerpoint/2012/main"/>
+    </p:ext>
+  </p:extLst>
 </p:presentation>
 </file>
 
@@ -869,154 +874,6 @@
         </a:p>
       </dgm:t>
     </dgm:pt>
-    <dgm:pt modelId="{B2AAFE12-753F-4C7F-ABFD-583608937230}">
-      <dgm:prSet phldrT="[Text]"/>
-      <dgm:spPr/>
-      <dgm:t>
-        <a:bodyPr/>
-        <a:lstStyle/>
-        <a:p>
-          <a:r>
-            <a:rPr lang="en-US" dirty="0"/>
-            <a:t>_continue</a:t>
-          </a:r>
-          <a:endParaRPr lang="LID4096" dirty="0"/>
-        </a:p>
-      </dgm:t>
-    </dgm:pt>
-    <dgm:pt modelId="{EAE41DA4-E48D-4A01-B875-45C66EB70F76}" type="parTrans" cxnId="{F888F431-B31D-4FB1-949D-499AADEAF2D6}">
-      <dgm:prSet/>
-      <dgm:spPr/>
-      <dgm:t>
-        <a:bodyPr/>
-        <a:lstStyle/>
-        <a:p>
-          <a:endParaRPr lang="LID4096"/>
-        </a:p>
-      </dgm:t>
-    </dgm:pt>
-    <dgm:pt modelId="{8D9FAC83-2BCF-4821-8DA8-062F55BDCC81}" type="sibTrans" cxnId="{F888F431-B31D-4FB1-949D-499AADEAF2D6}">
-      <dgm:prSet/>
-      <dgm:spPr/>
-      <dgm:t>
-        <a:bodyPr/>
-        <a:lstStyle/>
-        <a:p>
-          <a:endParaRPr lang="LID4096"/>
-        </a:p>
-      </dgm:t>
-    </dgm:pt>
-    <dgm:pt modelId="{0CFB278C-1CEE-45BB-A8AC-59439EE4D0A0}">
-      <dgm:prSet phldrT="[Text]"/>
-      <dgm:spPr/>
-      <dgm:t>
-        <a:bodyPr/>
-        <a:lstStyle/>
-        <a:p>
-          <a:r>
-            <a:rPr lang="fr-FR"/>
-            <a:t>Self.td.updata_current_sentence</a:t>
-          </a:r>
-          <a:endParaRPr lang="LID4096" dirty="0"/>
-        </a:p>
-      </dgm:t>
-    </dgm:pt>
-    <dgm:pt modelId="{7AAE07B1-F293-477F-9D72-5CC0B17062FE}" type="parTrans" cxnId="{75278709-0DD8-43D9-81B6-B9E9842D461F}">
-      <dgm:prSet/>
-      <dgm:spPr/>
-      <dgm:t>
-        <a:bodyPr/>
-        <a:lstStyle/>
-        <a:p>
-          <a:endParaRPr lang="LID4096"/>
-        </a:p>
-      </dgm:t>
-    </dgm:pt>
-    <dgm:pt modelId="{433DEA81-D76F-45BE-86B4-5936ADC3CABC}" type="sibTrans" cxnId="{75278709-0DD8-43D9-81B6-B9E9842D461F}">
-      <dgm:prSet/>
-      <dgm:spPr/>
-      <dgm:t>
-        <a:bodyPr/>
-        <a:lstStyle/>
-        <a:p>
-          <a:endParaRPr lang="LID4096"/>
-        </a:p>
-      </dgm:t>
-    </dgm:pt>
-    <dgm:pt modelId="{CE013924-C0BA-415C-AD90-FD1B0FB59D4A}">
-      <dgm:prSet phldrT="[Text]"/>
-      <dgm:spPr/>
-      <dgm:t>
-        <a:bodyPr/>
-        <a:lstStyle/>
-        <a:p>
-          <a:r>
-            <a:rPr lang="en-US" dirty="0"/>
-            <a:t>_trial</a:t>
-          </a:r>
-          <a:endParaRPr lang="LID4096" dirty="0"/>
-        </a:p>
-      </dgm:t>
-    </dgm:pt>
-    <dgm:pt modelId="{49FC77BC-6110-4809-BBD9-EAFB067BC54D}" type="parTrans" cxnId="{F5AAB600-AB87-495D-B5FB-02869A5BC519}">
-      <dgm:prSet/>
-      <dgm:spPr/>
-      <dgm:t>
-        <a:bodyPr/>
-        <a:lstStyle/>
-        <a:p>
-          <a:endParaRPr lang="LID4096"/>
-        </a:p>
-      </dgm:t>
-    </dgm:pt>
-    <dgm:pt modelId="{EF10F6B0-BEAB-46CB-8334-C474F07E194D}" type="sibTrans" cxnId="{F5AAB600-AB87-495D-B5FB-02869A5BC519}">
-      <dgm:prSet/>
-      <dgm:spPr/>
-      <dgm:t>
-        <a:bodyPr/>
-        <a:lstStyle/>
-        <a:p>
-          <a:endParaRPr lang="LID4096"/>
-        </a:p>
-      </dgm:t>
-    </dgm:pt>
-    <dgm:pt modelId="{9F4E91B6-6F10-4A72-9F9E-9AB472D6E250}">
-      <dgm:prSet phldrT="[Text]"/>
-      <dgm:spPr/>
-      <dgm:t>
-        <a:bodyPr/>
-        <a:lstStyle/>
-        <a:p>
-          <a:r>
-            <a:rPr lang="en-US" dirty="0"/>
-            <a:t>_getresponse</a:t>
-          </a:r>
-          <a:endParaRPr lang="LID4096" dirty="0"/>
-        </a:p>
-      </dgm:t>
-    </dgm:pt>
-    <dgm:pt modelId="{CF7F0069-9B7E-470F-B6E3-7B11FBD43CB7}" type="parTrans" cxnId="{7E0489D3-07A2-4B85-A7E1-D462F77FF9AD}">
-      <dgm:prSet/>
-      <dgm:spPr/>
-      <dgm:t>
-        <a:bodyPr/>
-        <a:lstStyle/>
-        <a:p>
-          <a:endParaRPr lang="LID4096"/>
-        </a:p>
-      </dgm:t>
-    </dgm:pt>
-    <dgm:pt modelId="{BCB06213-F09B-4336-BE40-478D358BEBCE}" type="sibTrans" cxnId="{7E0489D3-07A2-4B85-A7E1-D462F77FF9AD}">
-      <dgm:prSet/>
-      <dgm:spPr/>
-      <dgm:t>
-        <a:bodyPr/>
-        <a:lstStyle/>
-        <a:p>
-          <a:endParaRPr lang="LID4096"/>
-        </a:p>
-      </dgm:t>
-    </dgm:pt>
     <dgm:pt modelId="{1B5648B8-98DF-425E-AE69-8C6D6E526156}">
       <dgm:prSet phldrT="[Text]"/>
       <dgm:spPr/>
@@ -1069,6 +926,17 @@
         </a:p>
       </dgm:t>
     </dgm:pt>
+    <dgm:pt modelId="{2D71DA12-1BD6-414A-BB6C-6E32B920DF59}" type="sibTrans" cxnId="{ECFBE565-C72E-4372-9BA7-6A4401B7CAB1}">
+      <dgm:prSet/>
+      <dgm:spPr/>
+      <dgm:t>
+        <a:bodyPr/>
+        <a:lstStyle/>
+        <a:p>
+          <a:endParaRPr lang="LID4096"/>
+        </a:p>
+      </dgm:t>
+    </dgm:pt>
     <dgm:pt modelId="{BDAFBF87-4CFC-4344-BB59-B13C12345312}" type="parTrans" cxnId="{ECFBE565-C72E-4372-9BA7-6A4401B7CAB1}">
       <dgm:prSet/>
       <dgm:spPr/>
@@ -1080,7 +948,33 @@
         </a:p>
       </dgm:t>
     </dgm:pt>
-    <dgm:pt modelId="{2D71DA12-1BD6-414A-BB6C-6E32B920DF59}" type="sibTrans" cxnId="{ECFBE565-C72E-4372-9BA7-6A4401B7CAB1}">
+    <dgm:pt modelId="{B2AAFE12-753F-4C7F-ABFD-583608937230}">
+      <dgm:prSet phldrT="[Text]"/>
+      <dgm:spPr/>
+      <dgm:t>
+        <a:bodyPr/>
+        <a:lstStyle/>
+        <a:p>
+          <a:r>
+            <a:rPr lang="en-US" dirty="0"/>
+            <a:t>_continue</a:t>
+          </a:r>
+          <a:endParaRPr lang="LID4096" dirty="0"/>
+        </a:p>
+      </dgm:t>
+    </dgm:pt>
+    <dgm:pt modelId="{8D9FAC83-2BCF-4821-8DA8-062F55BDCC81}" type="sibTrans" cxnId="{F888F431-B31D-4FB1-949D-499AADEAF2D6}">
+      <dgm:prSet/>
+      <dgm:spPr/>
+      <dgm:t>
+        <a:bodyPr/>
+        <a:lstStyle/>
+        <a:p>
+          <a:endParaRPr lang="LID4096"/>
+        </a:p>
+      </dgm:t>
+    </dgm:pt>
+    <dgm:pt modelId="{EAE41DA4-E48D-4A01-B875-45C66EB70F76}" type="parTrans" cxnId="{F888F431-B31D-4FB1-949D-499AADEAF2D6}">
       <dgm:prSet/>
       <dgm:spPr/>
       <dgm:t>
@@ -1112,6 +1006,17 @@
         </a:p>
       </dgm:t>
     </dgm:pt>
+    <dgm:pt modelId="{E0D36637-1ED4-4CAB-83EA-3EE2B1490628}" type="sibTrans" cxnId="{B36A05DF-589C-4840-B589-F1268674A30C}">
+      <dgm:prSet/>
+      <dgm:spPr/>
+      <dgm:t>
+        <a:bodyPr/>
+        <a:lstStyle/>
+        <a:p>
+          <a:endParaRPr lang="LID4096"/>
+        </a:p>
+      </dgm:t>
+    </dgm:pt>
     <dgm:pt modelId="{C04FCBDA-7A4F-4211-AE56-7098E443FCB2}" type="parTrans" cxnId="{B36A05DF-589C-4840-B589-F1268674A30C}">
       <dgm:prSet/>
       <dgm:spPr/>
@@ -1123,7 +1028,144 @@
         </a:p>
       </dgm:t>
     </dgm:pt>
-    <dgm:pt modelId="{E0D36637-1ED4-4CAB-83EA-3EE2B1490628}" type="sibTrans" cxnId="{B36A05DF-589C-4840-B589-F1268674A30C}">
+    <dgm:pt modelId="{0CFB278C-1CEE-45BB-A8AC-59439EE4D0A0}">
+      <dgm:prSet phldrT="[Text]"/>
+      <dgm:spPr/>
+      <dgm:t>
+        <a:bodyPr/>
+        <a:lstStyle/>
+        <a:p>
+          <a:r>
+            <a:rPr lang="fr-FR"/>
+            <a:t>Self.td.updata_current_sentence</a:t>
+          </a:r>
+          <a:endParaRPr lang="LID4096" dirty="0"/>
+        </a:p>
+      </dgm:t>
+    </dgm:pt>
+    <dgm:pt modelId="{433DEA81-D76F-45BE-86B4-5936ADC3CABC}" type="sibTrans" cxnId="{75278709-0DD8-43D9-81B6-B9E9842D461F}">
+      <dgm:prSet/>
+      <dgm:spPr/>
+      <dgm:t>
+        <a:bodyPr/>
+        <a:lstStyle/>
+        <a:p>
+          <a:endParaRPr lang="LID4096"/>
+        </a:p>
+      </dgm:t>
+    </dgm:pt>
+    <dgm:pt modelId="{7AAE07B1-F293-477F-9D72-5CC0B17062FE}" type="parTrans" cxnId="{75278709-0DD8-43D9-81B6-B9E9842D461F}">
+      <dgm:prSet/>
+      <dgm:spPr/>
+      <dgm:t>
+        <a:bodyPr/>
+        <a:lstStyle/>
+        <a:p>
+          <a:endParaRPr lang="LID4096"/>
+        </a:p>
+      </dgm:t>
+    </dgm:pt>
+    <dgm:pt modelId="{CE013924-C0BA-415C-AD90-FD1B0FB59D4A}">
+      <dgm:prSet phldrT="[Text]"/>
+      <dgm:spPr/>
+      <dgm:t>
+        <a:bodyPr/>
+        <a:lstStyle/>
+        <a:p>
+          <a:r>
+            <a:rPr lang="en-US" dirty="0"/>
+            <a:t>_trial</a:t>
+          </a:r>
+          <a:endParaRPr lang="LID4096" dirty="0"/>
+        </a:p>
+      </dgm:t>
+    </dgm:pt>
+    <dgm:pt modelId="{EF10F6B0-BEAB-46CB-8334-C474F07E194D}" type="sibTrans" cxnId="{F5AAB600-AB87-495D-B5FB-02869A5BC519}">
+      <dgm:prSet/>
+      <dgm:spPr/>
+      <dgm:t>
+        <a:bodyPr/>
+        <a:lstStyle/>
+        <a:p>
+          <a:endParaRPr lang="LID4096"/>
+        </a:p>
+      </dgm:t>
+    </dgm:pt>
+    <dgm:pt modelId="{49FC77BC-6110-4809-BBD9-EAFB067BC54D}" type="parTrans" cxnId="{F5AAB600-AB87-495D-B5FB-02869A5BC519}">
+      <dgm:prSet/>
+      <dgm:spPr/>
+      <dgm:t>
+        <a:bodyPr/>
+        <a:lstStyle/>
+        <a:p>
+          <a:endParaRPr lang="LID4096"/>
+        </a:p>
+      </dgm:t>
+    </dgm:pt>
+    <dgm:pt modelId="{D81CB5FC-82CC-4D57-B8D0-7BE4D7D49A39}">
+      <dgm:prSet phldrT="[Text]"/>
+      <dgm:spPr/>
+      <dgm:t>
+        <a:bodyPr/>
+        <a:lstStyle/>
+        <a:p>
+          <a:r>
+            <a:rPr lang="en-US" b="1" i="1" dirty="0"/>
+            <a:t>Initiates current trial</a:t>
+          </a:r>
+          <a:endParaRPr lang="LID4096" b="1" i="1" dirty="0"/>
+        </a:p>
+      </dgm:t>
+    </dgm:pt>
+    <dgm:pt modelId="{0AD6D402-DB5A-496B-8F9E-D7CCF33752A5}" type="sibTrans" cxnId="{31B489A8-C56C-40A7-A63A-2863B65087C1}">
+      <dgm:prSet/>
+      <dgm:spPr/>
+      <dgm:t>
+        <a:bodyPr/>
+        <a:lstStyle/>
+        <a:p>
+          <a:endParaRPr lang="LID4096"/>
+        </a:p>
+      </dgm:t>
+    </dgm:pt>
+    <dgm:pt modelId="{82D7AA7B-9168-4E06-80AA-5535C97B4806}" type="parTrans" cxnId="{31B489A8-C56C-40A7-A63A-2863B65087C1}">
+      <dgm:prSet/>
+      <dgm:spPr/>
+      <dgm:t>
+        <a:bodyPr/>
+        <a:lstStyle/>
+        <a:p>
+          <a:endParaRPr lang="LID4096"/>
+        </a:p>
+      </dgm:t>
+    </dgm:pt>
+    <dgm:pt modelId="{9F4E91B6-6F10-4A72-9F9E-9AB472D6E250}">
+      <dgm:prSet phldrT="[Text]"/>
+      <dgm:spPr/>
+      <dgm:t>
+        <a:bodyPr/>
+        <a:lstStyle/>
+        <a:p>
+          <a:r>
+            <a:rPr lang="en-US" dirty="0"/>
+            <a:t>_getresponse</a:t>
+          </a:r>
+          <a:endParaRPr lang="LID4096" dirty="0"/>
+        </a:p>
+      </dgm:t>
+    </dgm:pt>
+    <dgm:pt modelId="{BCB06213-F09B-4336-BE40-478D358BEBCE}" type="sibTrans" cxnId="{7E0489D3-07A2-4B85-A7E1-D462F77FF9AD}">
+      <dgm:prSet/>
+      <dgm:spPr/>
+      <dgm:t>
+        <a:bodyPr/>
+        <a:lstStyle/>
+        <a:p>
+          <a:endParaRPr lang="LID4096"/>
+        </a:p>
+      </dgm:t>
+    </dgm:pt>
+    <dgm:pt modelId="{CF7F0069-9B7E-470F-B6E3-7B11FBD43CB7}" type="parTrans" cxnId="{7E0489D3-07A2-4B85-A7E1-D462F77FF9AD}">
       <dgm:prSet/>
       <dgm:spPr/>
       <dgm:t>
@@ -1149,7 +1191,7 @@
         </a:p>
       </dgm:t>
     </dgm:pt>
-    <dgm:pt modelId="{C2F47E80-F817-4E19-9D4B-63C7E813DF30}" type="parTrans" cxnId="{F3BBD5AB-7B3A-49D6-99BF-F0AB9A52698D}">
+    <dgm:pt modelId="{274AA0DB-4CE1-4B16-BFF2-35A44DEF4EDB}" type="sibTrans" cxnId="{F3BBD5AB-7B3A-49D6-99BF-F0AB9A52698D}">
       <dgm:prSet/>
       <dgm:spPr/>
       <dgm:t>
@@ -1160,7 +1202,7 @@
         </a:p>
       </dgm:t>
     </dgm:pt>
-    <dgm:pt modelId="{274AA0DB-4CE1-4B16-BFF2-35A44DEF4EDB}" type="sibTrans" cxnId="{F3BBD5AB-7B3A-49D6-99BF-F0AB9A52698D}">
+    <dgm:pt modelId="{C2F47E80-F817-4E19-9D4B-63C7E813DF30}" type="parTrans" cxnId="{F3BBD5AB-7B3A-49D6-99BF-F0AB9A52698D}">
       <dgm:prSet/>
       <dgm:spPr/>
       <dgm:t>
@@ -1179,10 +1221,25 @@
         <a:lstStyle/>
         <a:p>
           <a:r>
-            <a:rPr lang="en-US"/>
-            <a:t>Self.td.record _trial</a:t>
+            <a:rPr lang="en-US" dirty="0" err="1"/>
+            <a:t>Self.td.record</a:t>
+          </a:r>
+          <a:r>
+            <a:rPr lang="en-US" dirty="0"/>
+            <a:t> _trial</a:t>
           </a:r>
           <a:endParaRPr lang="LID4096" b="1" i="1" dirty="0"/>
+        </a:p>
+      </dgm:t>
+    </dgm:pt>
+    <dgm:pt modelId="{B0BFA49D-B1DD-44E1-9B11-4577463FE785}" type="sibTrans" cxnId="{12530A47-4996-4DDA-8CF2-49EA4B16CCBD}">
+      <dgm:prSet/>
+      <dgm:spPr/>
+      <dgm:t>
+        <a:bodyPr/>
+        <a:lstStyle/>
+        <a:p>
+          <a:endParaRPr lang="LID4096"/>
         </a:p>
       </dgm:t>
     </dgm:pt>
@@ -1197,18 +1254,7 @@
         </a:p>
       </dgm:t>
     </dgm:pt>
-    <dgm:pt modelId="{B0BFA49D-B1DD-44E1-9B11-4577463FE785}" type="sibTrans" cxnId="{12530A47-4996-4DDA-8CF2-49EA4B16CCBD}">
-      <dgm:prSet/>
-      <dgm:spPr/>
-      <dgm:t>
-        <a:bodyPr/>
-        <a:lstStyle/>
-        <a:p>
-          <a:endParaRPr lang="LID4096"/>
-        </a:p>
-      </dgm:t>
-    </dgm:pt>
-    <dgm:pt modelId="{D81CB5FC-82CC-4D57-B8D0-7BE4D7D49A39}">
+    <dgm:pt modelId="{44945DB9-289D-4798-A609-D5773091F8D2}">
       <dgm:prSet phldrT="[Text]"/>
       <dgm:spPr/>
       <dgm:t>
@@ -1216,32 +1262,32 @@
         <a:lstStyle/>
         <a:p>
           <a:r>
-            <a:rPr lang="en-US" b="1" i="1" dirty="0"/>
-            <a:t>Initiates current trial</a:t>
+            <a:rPr lang="en-US" b="0" i="0" dirty="0" err="1" smtClean="0"/>
+            <a:t>Self._continue</a:t>
           </a:r>
-          <a:endParaRPr lang="LID4096" b="1" i="1" dirty="0"/>
+          <a:endParaRPr lang="LID4096" b="0" i="0" dirty="0"/>
         </a:p>
       </dgm:t>
     </dgm:pt>
-    <dgm:pt modelId="{82D7AA7B-9168-4E06-80AA-5535C97B4806}" type="parTrans" cxnId="{31B489A8-C56C-40A7-A63A-2863B65087C1}">
+    <dgm:pt modelId="{5F69FFEA-40F8-46C4-B6E7-DDC4BAE6C66B}" type="sibTrans" cxnId="{B2AD4321-4FA6-4EF4-B133-57A17B20AB8B}">
       <dgm:prSet/>
       <dgm:spPr/>
       <dgm:t>
         <a:bodyPr/>
         <a:lstStyle/>
         <a:p>
-          <a:endParaRPr lang="LID4096"/>
+          <a:endParaRPr lang="en-US"/>
         </a:p>
       </dgm:t>
     </dgm:pt>
-    <dgm:pt modelId="{0AD6D402-DB5A-496B-8F9E-D7CCF33752A5}" type="sibTrans" cxnId="{31B489A8-C56C-40A7-A63A-2863B65087C1}">
+    <dgm:pt modelId="{1FAACDF3-31B3-4D63-A542-EAC4ECA9AA93}" type="parTrans" cxnId="{B2AD4321-4FA6-4EF4-B133-57A17B20AB8B}">
       <dgm:prSet/>
       <dgm:spPr/>
       <dgm:t>
         <a:bodyPr/>
         <a:lstStyle/>
         <a:p>
-          <a:endParaRPr lang="LID4096"/>
+          <a:endParaRPr lang="en-US"/>
         </a:p>
       </dgm:t>
     </dgm:pt>
@@ -1254,6 +1300,13 @@
         </dgm:presLayoutVars>
       </dgm:prSet>
       <dgm:spPr/>
+      <dgm:t>
+        <a:bodyPr/>
+        <a:lstStyle/>
+        <a:p>
+          <a:endParaRPr lang="en-US"/>
+        </a:p>
+      </dgm:t>
     </dgm:pt>
     <dgm:pt modelId="{4471A1C0-3C84-4C33-9E2F-A9BE55B6EE58}" type="pres">
       <dgm:prSet presAssocID="{1B5648B8-98DF-425E-AE69-8C6D6E526156}" presName="vertFlow" presStyleCnt="0"/>
@@ -1262,19 +1315,40 @@
     <dgm:pt modelId="{700E580B-0374-4D3B-9B69-D79C4014EF87}" type="pres">
       <dgm:prSet presAssocID="{1B5648B8-98DF-425E-AE69-8C6D6E526156}" presName="header" presStyleLbl="node1" presStyleIdx="0" presStyleCnt="4"/>
       <dgm:spPr/>
+      <dgm:t>
+        <a:bodyPr/>
+        <a:lstStyle/>
+        <a:p>
+          <a:endParaRPr lang="en-US"/>
+        </a:p>
+      </dgm:t>
     </dgm:pt>
     <dgm:pt modelId="{AB8A7E3F-EB2B-4516-A19A-54EE91406F22}" type="pres">
-      <dgm:prSet presAssocID="{BDAFBF87-4CFC-4344-BB59-B13C12345312}" presName="parTrans" presStyleLbl="sibTrans2D1" presStyleIdx="0" presStyleCnt="6"/>
+      <dgm:prSet presAssocID="{BDAFBF87-4CFC-4344-BB59-B13C12345312}" presName="parTrans" presStyleLbl="sibTrans2D1" presStyleIdx="0" presStyleCnt="7"/>
       <dgm:spPr/>
+      <dgm:t>
+        <a:bodyPr/>
+        <a:lstStyle/>
+        <a:p>
+          <a:endParaRPr lang="en-US"/>
+        </a:p>
+      </dgm:t>
     </dgm:pt>
     <dgm:pt modelId="{324228C6-D326-4C19-A6D3-70437CA1599B}" type="pres">
-      <dgm:prSet presAssocID="{42091B5C-388B-4721-B6A2-73D777569671}" presName="child" presStyleLbl="alignAccFollowNode1" presStyleIdx="0" presStyleCnt="6">
+      <dgm:prSet presAssocID="{42091B5C-388B-4721-B6A2-73D777569671}" presName="child" presStyleLbl="alignAccFollowNode1" presStyleIdx="0" presStyleCnt="7">
         <dgm:presLayoutVars>
           <dgm:chMax val="0"/>
           <dgm:bulletEnabled val="1"/>
         </dgm:presLayoutVars>
       </dgm:prSet>
       <dgm:spPr/>
+      <dgm:t>
+        <a:bodyPr/>
+        <a:lstStyle/>
+        <a:p>
+          <a:endParaRPr lang="en-US"/>
+        </a:p>
+      </dgm:t>
     </dgm:pt>
     <dgm:pt modelId="{6DD8CA76-D83E-496E-855C-B86D22F4C565}" type="pres">
       <dgm:prSet presAssocID="{1B5648B8-98DF-425E-AE69-8C6D6E526156}" presName="hSp" presStyleCnt="0"/>
@@ -1287,32 +1361,67 @@
     <dgm:pt modelId="{6A2B9185-7DFA-4528-8344-ECA4291281DE}" type="pres">
       <dgm:prSet presAssocID="{B2AAFE12-753F-4C7F-ABFD-583608937230}" presName="header" presStyleLbl="node1" presStyleIdx="1" presStyleCnt="4"/>
       <dgm:spPr/>
+      <dgm:t>
+        <a:bodyPr/>
+        <a:lstStyle/>
+        <a:p>
+          <a:endParaRPr lang="en-US"/>
+        </a:p>
+      </dgm:t>
     </dgm:pt>
     <dgm:pt modelId="{077CDC9A-8AD3-4C30-BCAB-1EF9F136F497}" type="pres">
-      <dgm:prSet presAssocID="{C04FCBDA-7A4F-4211-AE56-7098E443FCB2}" presName="parTrans" presStyleLbl="sibTrans2D1" presStyleIdx="1" presStyleCnt="6"/>
+      <dgm:prSet presAssocID="{C04FCBDA-7A4F-4211-AE56-7098E443FCB2}" presName="parTrans" presStyleLbl="sibTrans2D1" presStyleIdx="1" presStyleCnt="7"/>
       <dgm:spPr/>
+      <dgm:t>
+        <a:bodyPr/>
+        <a:lstStyle/>
+        <a:p>
+          <a:endParaRPr lang="en-US"/>
+        </a:p>
+      </dgm:t>
     </dgm:pt>
     <dgm:pt modelId="{13370D9D-6CB5-42DE-AB34-759E187C954E}" type="pres">
-      <dgm:prSet presAssocID="{3D901C43-624E-4DE9-B46F-9504A6420D60}" presName="child" presStyleLbl="alignAccFollowNode1" presStyleIdx="1" presStyleCnt="6">
+      <dgm:prSet presAssocID="{3D901C43-624E-4DE9-B46F-9504A6420D60}" presName="child" presStyleLbl="alignAccFollowNode1" presStyleIdx="1" presStyleCnt="7">
         <dgm:presLayoutVars>
           <dgm:chMax val="0"/>
           <dgm:bulletEnabled val="1"/>
         </dgm:presLayoutVars>
       </dgm:prSet>
       <dgm:spPr/>
+      <dgm:t>
+        <a:bodyPr/>
+        <a:lstStyle/>
+        <a:p>
+          <a:endParaRPr lang="en-US"/>
+        </a:p>
+      </dgm:t>
     </dgm:pt>
     <dgm:pt modelId="{065ED464-9F8A-4EEC-972D-F6DFC213D9B7}" type="pres">
-      <dgm:prSet presAssocID="{E0D36637-1ED4-4CAB-83EA-3EE2B1490628}" presName="sibTrans" presStyleLbl="sibTrans2D1" presStyleIdx="2" presStyleCnt="6"/>
+      <dgm:prSet presAssocID="{E0D36637-1ED4-4CAB-83EA-3EE2B1490628}" presName="sibTrans" presStyleLbl="sibTrans2D1" presStyleIdx="2" presStyleCnt="7"/>
       <dgm:spPr/>
+      <dgm:t>
+        <a:bodyPr/>
+        <a:lstStyle/>
+        <a:p>
+          <a:endParaRPr lang="en-US"/>
+        </a:p>
+      </dgm:t>
     </dgm:pt>
     <dgm:pt modelId="{CCF71A21-BF06-4864-87AC-4E5C97449EB5}" type="pres">
-      <dgm:prSet presAssocID="{0CFB278C-1CEE-45BB-A8AC-59439EE4D0A0}" presName="child" presStyleLbl="alignAccFollowNode1" presStyleIdx="2" presStyleCnt="6">
+      <dgm:prSet presAssocID="{0CFB278C-1CEE-45BB-A8AC-59439EE4D0A0}" presName="child" presStyleLbl="alignAccFollowNode1" presStyleIdx="2" presStyleCnt="7">
         <dgm:presLayoutVars>
           <dgm:chMax val="0"/>
           <dgm:bulletEnabled val="1"/>
         </dgm:presLayoutVars>
       </dgm:prSet>
       <dgm:spPr/>
+      <dgm:t>
+        <a:bodyPr/>
+        <a:lstStyle/>
+        <a:p>
+          <a:endParaRPr lang="en-US"/>
+        </a:p>
+      </dgm:t>
     </dgm:pt>
     <dgm:pt modelId="{F44AAFDE-F40F-4A5F-8692-54849F0F8FCC}" type="pres">
       <dgm:prSet presAssocID="{B2AAFE12-753F-4C7F-ABFD-583608937230}" presName="hSp" presStyleCnt="0"/>
@@ -1325,19 +1434,40 @@
     <dgm:pt modelId="{5D7BE273-B8E7-42B6-A88A-52B41DBFA9EB}" type="pres">
       <dgm:prSet presAssocID="{CE013924-C0BA-415C-AD90-FD1B0FB59D4A}" presName="header" presStyleLbl="node1" presStyleIdx="2" presStyleCnt="4"/>
       <dgm:spPr/>
+      <dgm:t>
+        <a:bodyPr/>
+        <a:lstStyle/>
+        <a:p>
+          <a:endParaRPr lang="en-US"/>
+        </a:p>
+      </dgm:t>
     </dgm:pt>
     <dgm:pt modelId="{A9C8646A-9F7C-4E59-B7E8-0B65451B7CD0}" type="pres">
-      <dgm:prSet presAssocID="{82D7AA7B-9168-4E06-80AA-5535C97B4806}" presName="parTrans" presStyleLbl="sibTrans2D1" presStyleIdx="3" presStyleCnt="6"/>
+      <dgm:prSet presAssocID="{82D7AA7B-9168-4E06-80AA-5535C97B4806}" presName="parTrans" presStyleLbl="sibTrans2D1" presStyleIdx="3" presStyleCnt="7"/>
       <dgm:spPr/>
+      <dgm:t>
+        <a:bodyPr/>
+        <a:lstStyle/>
+        <a:p>
+          <a:endParaRPr lang="en-US"/>
+        </a:p>
+      </dgm:t>
     </dgm:pt>
     <dgm:pt modelId="{1B299ADB-B823-41D4-BBE3-1BCAE1E00B10}" type="pres">
-      <dgm:prSet presAssocID="{D81CB5FC-82CC-4D57-B8D0-7BE4D7D49A39}" presName="child" presStyleLbl="alignAccFollowNode1" presStyleIdx="3" presStyleCnt="6">
+      <dgm:prSet presAssocID="{D81CB5FC-82CC-4D57-B8D0-7BE4D7D49A39}" presName="child" presStyleLbl="alignAccFollowNode1" presStyleIdx="3" presStyleCnt="7">
         <dgm:presLayoutVars>
           <dgm:chMax val="0"/>
           <dgm:bulletEnabled val="1"/>
         </dgm:presLayoutVars>
       </dgm:prSet>
       <dgm:spPr/>
+      <dgm:t>
+        <a:bodyPr/>
+        <a:lstStyle/>
+        <a:p>
+          <a:endParaRPr lang="en-US"/>
+        </a:p>
+      </dgm:t>
     </dgm:pt>
     <dgm:pt modelId="{0299A0D4-0A43-45C7-AFAE-A747A7DDC203}" type="pres">
       <dgm:prSet presAssocID="{CE013924-C0BA-415C-AD90-FD1B0FB59D4A}" presName="hSp" presStyleCnt="0"/>
@@ -1350,62 +1480,127 @@
     <dgm:pt modelId="{61C97494-A055-44F0-BDFD-FF90747261EF}" type="pres">
       <dgm:prSet presAssocID="{9F4E91B6-6F10-4A72-9F9E-9AB472D6E250}" presName="header" presStyleLbl="node1" presStyleIdx="3" presStyleCnt="4"/>
       <dgm:spPr/>
+      <dgm:t>
+        <a:bodyPr/>
+        <a:lstStyle/>
+        <a:p>
+          <a:endParaRPr lang="en-US"/>
+        </a:p>
+      </dgm:t>
     </dgm:pt>
     <dgm:pt modelId="{A1DD8EEB-3274-46AD-BAC3-F7A78FC08483}" type="pres">
-      <dgm:prSet presAssocID="{C2F47E80-F817-4E19-9D4B-63C7E813DF30}" presName="parTrans" presStyleLbl="sibTrans2D1" presStyleIdx="4" presStyleCnt="6"/>
+      <dgm:prSet presAssocID="{C2F47E80-F817-4E19-9D4B-63C7E813DF30}" presName="parTrans" presStyleLbl="sibTrans2D1" presStyleIdx="4" presStyleCnt="7"/>
       <dgm:spPr/>
+      <dgm:t>
+        <a:bodyPr/>
+        <a:lstStyle/>
+        <a:p>
+          <a:endParaRPr lang="en-US"/>
+        </a:p>
+      </dgm:t>
     </dgm:pt>
     <dgm:pt modelId="{A07F8E86-87B2-4715-847E-0660FD52DB6C}" type="pres">
-      <dgm:prSet presAssocID="{C2F32362-1EC6-44CB-B851-B08CE42362BC}" presName="child" presStyleLbl="alignAccFollowNode1" presStyleIdx="4" presStyleCnt="6">
+      <dgm:prSet presAssocID="{C2F32362-1EC6-44CB-B851-B08CE42362BC}" presName="child" presStyleLbl="alignAccFollowNode1" presStyleIdx="4" presStyleCnt="7">
         <dgm:presLayoutVars>
           <dgm:chMax val="0"/>
           <dgm:bulletEnabled val="1"/>
         </dgm:presLayoutVars>
       </dgm:prSet>
       <dgm:spPr/>
+      <dgm:t>
+        <a:bodyPr/>
+        <a:lstStyle/>
+        <a:p>
+          <a:endParaRPr lang="en-US"/>
+        </a:p>
+      </dgm:t>
     </dgm:pt>
     <dgm:pt modelId="{853D97F9-C408-4A11-8E46-B003FC8475D0}" type="pres">
-      <dgm:prSet presAssocID="{274AA0DB-4CE1-4B16-BFF2-35A44DEF4EDB}" presName="sibTrans" presStyleLbl="sibTrans2D1" presStyleIdx="5" presStyleCnt="6"/>
+      <dgm:prSet presAssocID="{274AA0DB-4CE1-4B16-BFF2-35A44DEF4EDB}" presName="sibTrans" presStyleLbl="sibTrans2D1" presStyleIdx="5" presStyleCnt="7"/>
       <dgm:spPr/>
+      <dgm:t>
+        <a:bodyPr/>
+        <a:lstStyle/>
+        <a:p>
+          <a:endParaRPr lang="en-US"/>
+        </a:p>
+      </dgm:t>
     </dgm:pt>
     <dgm:pt modelId="{0E0E4B96-A951-4ADD-B759-F418CECBAAC6}" type="pres">
-      <dgm:prSet presAssocID="{B86D66DC-EE2B-4FE5-801C-AF464918FD25}" presName="child" presStyleLbl="alignAccFollowNode1" presStyleIdx="5" presStyleCnt="6">
+      <dgm:prSet presAssocID="{B86D66DC-EE2B-4FE5-801C-AF464918FD25}" presName="child" presStyleLbl="alignAccFollowNode1" presStyleIdx="5" presStyleCnt="7">
         <dgm:presLayoutVars>
           <dgm:chMax val="0"/>
           <dgm:bulletEnabled val="1"/>
         </dgm:presLayoutVars>
       </dgm:prSet>
       <dgm:spPr/>
+      <dgm:t>
+        <a:bodyPr/>
+        <a:lstStyle/>
+        <a:p>
+          <a:endParaRPr lang="en-US"/>
+        </a:p>
+      </dgm:t>
+    </dgm:pt>
+    <dgm:pt modelId="{4B48AC61-EBBF-4888-A631-0FFDE13DEBC9}" type="pres">
+      <dgm:prSet presAssocID="{B0BFA49D-B1DD-44E1-9B11-4577463FE785}" presName="sibTrans" presStyleLbl="sibTrans2D1" presStyleIdx="6" presStyleCnt="7"/>
+      <dgm:spPr/>
+      <dgm:t>
+        <a:bodyPr/>
+        <a:lstStyle/>
+        <a:p>
+          <a:endParaRPr lang="en-US"/>
+        </a:p>
+      </dgm:t>
+    </dgm:pt>
+    <dgm:pt modelId="{B6F9B241-EAB4-4EEA-BB70-BD378F42B057}" type="pres">
+      <dgm:prSet presAssocID="{44945DB9-289D-4798-A609-D5773091F8D2}" presName="child" presStyleLbl="alignAccFollowNode1" presStyleIdx="6" presStyleCnt="7">
+        <dgm:presLayoutVars>
+          <dgm:chMax val="0"/>
+          <dgm:bulletEnabled val="1"/>
+        </dgm:presLayoutVars>
+      </dgm:prSet>
+      <dgm:spPr/>
+      <dgm:t>
+        <a:bodyPr/>
+        <a:lstStyle/>
+        <a:p>
+          <a:endParaRPr lang="en-US"/>
+        </a:p>
+      </dgm:t>
     </dgm:pt>
   </dgm:ptLst>
   <dgm:cxnLst>
+    <dgm:cxn modelId="{4BFC200C-AB78-4D23-9EAF-277F9FC2600A}" type="presOf" srcId="{58BD9956-F42E-4EB9-80AD-0047FFE68A88}" destId="{5C353C69-625B-4AD3-904C-9C49CD56EC3F}" srcOrd="0" destOrd="0" presId="urn:microsoft.com/office/officeart/2005/8/layout/lProcess1"/>
+    <dgm:cxn modelId="{C6DA23B2-142D-45C1-880D-6A13D161DB23}" type="presOf" srcId="{9F4E91B6-6F10-4A72-9F9E-9AB472D6E250}" destId="{61C97494-A055-44F0-BDFD-FF90747261EF}" srcOrd="0" destOrd="0" presId="urn:microsoft.com/office/officeart/2005/8/layout/lProcess1"/>
+    <dgm:cxn modelId="{3D4A4C1B-C6B2-4075-A2D8-20E04B323B62}" type="presOf" srcId="{E0D36637-1ED4-4CAB-83EA-3EE2B1490628}" destId="{065ED464-9F8A-4EEC-972D-F6DFC213D9B7}" srcOrd="0" destOrd="0" presId="urn:microsoft.com/office/officeart/2005/8/layout/lProcess1"/>
     <dgm:cxn modelId="{F5AAB600-AB87-495D-B5FB-02869A5BC519}" srcId="{58BD9956-F42E-4EB9-80AD-0047FFE68A88}" destId="{CE013924-C0BA-415C-AD90-FD1B0FB59D4A}" srcOrd="2" destOrd="0" parTransId="{49FC77BC-6110-4809-BBD9-EAFB067BC54D}" sibTransId="{EF10F6B0-BEAB-46CB-8334-C474F07E194D}"/>
+    <dgm:cxn modelId="{2714458C-ABC9-40BF-BC87-8F72290057E0}" type="presOf" srcId="{C2F32362-1EC6-44CB-B851-B08CE42362BC}" destId="{A07F8E86-87B2-4715-847E-0660FD52DB6C}" srcOrd="0" destOrd="0" presId="urn:microsoft.com/office/officeart/2005/8/layout/lProcess1"/>
+    <dgm:cxn modelId="{F888F431-B31D-4FB1-949D-499AADEAF2D6}" srcId="{58BD9956-F42E-4EB9-80AD-0047FFE68A88}" destId="{B2AAFE12-753F-4C7F-ABFD-583608937230}" srcOrd="1" destOrd="0" parTransId="{EAE41DA4-E48D-4A01-B875-45C66EB70F76}" sibTransId="{8D9FAC83-2BCF-4821-8DA8-062F55BDCC81}"/>
+    <dgm:cxn modelId="{F3BBD5AB-7B3A-49D6-99BF-F0AB9A52698D}" srcId="{9F4E91B6-6F10-4A72-9F9E-9AB472D6E250}" destId="{C2F32362-1EC6-44CB-B851-B08CE42362BC}" srcOrd="0" destOrd="0" parTransId="{C2F47E80-F817-4E19-9D4B-63C7E813DF30}" sibTransId="{274AA0DB-4CE1-4B16-BFF2-35A44DEF4EDB}"/>
+    <dgm:cxn modelId="{4A364D31-3E07-4C37-8D05-7124126FAD8B}" type="presOf" srcId="{3D901C43-624E-4DE9-B46F-9504A6420D60}" destId="{13370D9D-6CB5-42DE-AB34-759E187C954E}" srcOrd="0" destOrd="0" presId="urn:microsoft.com/office/officeart/2005/8/layout/lProcess1"/>
+    <dgm:cxn modelId="{31B489A8-C56C-40A7-A63A-2863B65087C1}" srcId="{CE013924-C0BA-415C-AD90-FD1B0FB59D4A}" destId="{D81CB5FC-82CC-4D57-B8D0-7BE4D7D49A39}" srcOrd="0" destOrd="0" parTransId="{82D7AA7B-9168-4E06-80AA-5535C97B4806}" sibTransId="{0AD6D402-DB5A-496B-8F9E-D7CCF33752A5}"/>
+    <dgm:cxn modelId="{0A869B94-5BF7-4542-9632-5CA98E586360}" type="presOf" srcId="{D81CB5FC-82CC-4D57-B8D0-7BE4D7D49A39}" destId="{1B299ADB-B823-41D4-BBE3-1BCAE1E00B10}" srcOrd="0" destOrd="0" presId="urn:microsoft.com/office/officeart/2005/8/layout/lProcess1"/>
     <dgm:cxn modelId="{3A67C503-B3D2-49D6-9DAD-CDEDADD444FF}" type="presOf" srcId="{CE013924-C0BA-415C-AD90-FD1B0FB59D4A}" destId="{5D7BE273-B8E7-42B6-A88A-52B41DBFA9EB}" srcOrd="0" destOrd="0" presId="urn:microsoft.com/office/officeart/2005/8/layout/lProcess1"/>
+    <dgm:cxn modelId="{9DBB5013-A389-46FA-948A-8D478533C01D}" type="presOf" srcId="{BDAFBF87-4CFC-4344-BB59-B13C12345312}" destId="{AB8A7E3F-EB2B-4516-A19A-54EE91406F22}" srcOrd="0" destOrd="0" presId="urn:microsoft.com/office/officeart/2005/8/layout/lProcess1"/>
+    <dgm:cxn modelId="{12530A47-4996-4DDA-8CF2-49EA4B16CCBD}" srcId="{9F4E91B6-6F10-4A72-9F9E-9AB472D6E250}" destId="{B86D66DC-EE2B-4FE5-801C-AF464918FD25}" srcOrd="1" destOrd="0" parTransId="{A0F149A7-3B62-48F2-900A-4E5B7BE3BA74}" sibTransId="{B0BFA49D-B1DD-44E1-9B11-4577463FE785}"/>
+    <dgm:cxn modelId="{15267593-DBA2-4C27-BDBF-50B96276C87A}" type="presOf" srcId="{44945DB9-289D-4798-A609-D5773091F8D2}" destId="{B6F9B241-EAB4-4EEA-BB70-BD378F42B057}" srcOrd="0" destOrd="0" presId="urn:microsoft.com/office/officeart/2005/8/layout/lProcess1"/>
+    <dgm:cxn modelId="{B36A05DF-589C-4840-B589-F1268674A30C}" srcId="{B2AAFE12-753F-4C7F-ABFD-583608937230}" destId="{3D901C43-624E-4DE9-B46F-9504A6420D60}" srcOrd="0" destOrd="0" parTransId="{C04FCBDA-7A4F-4211-AE56-7098E443FCB2}" sibTransId="{E0D36637-1ED4-4CAB-83EA-3EE2B1490628}"/>
+    <dgm:cxn modelId="{ECFBE565-C72E-4372-9BA7-6A4401B7CAB1}" srcId="{1B5648B8-98DF-425E-AE69-8C6D6E526156}" destId="{42091B5C-388B-4721-B6A2-73D777569671}" srcOrd="0" destOrd="0" parTransId="{BDAFBF87-4CFC-4344-BB59-B13C12345312}" sibTransId="{2D71DA12-1BD6-414A-BB6C-6E32B920DF59}"/>
+    <dgm:cxn modelId="{35FC447A-67C2-4139-AF58-83D7E131F896}" type="presOf" srcId="{1B5648B8-98DF-425E-AE69-8C6D6E526156}" destId="{700E580B-0374-4D3B-9B69-D79C4014EF87}" srcOrd="0" destOrd="0" presId="urn:microsoft.com/office/officeart/2005/8/layout/lProcess1"/>
+    <dgm:cxn modelId="{1A92D05D-DA66-4036-B8F6-562CF374EF70}" srcId="{58BD9956-F42E-4EB9-80AD-0047FFE68A88}" destId="{1B5648B8-98DF-425E-AE69-8C6D6E526156}" srcOrd="0" destOrd="0" parTransId="{F7AE92A1-DC59-420E-909E-2FBEEF20FA8F}" sibTransId="{EA0C92C0-6965-42D3-B8D7-A9872CE65C54}"/>
     <dgm:cxn modelId="{75278709-0DD8-43D9-81B6-B9E9842D461F}" srcId="{B2AAFE12-753F-4C7F-ABFD-583608937230}" destId="{0CFB278C-1CEE-45BB-A8AC-59439EE4D0A0}" srcOrd="1" destOrd="0" parTransId="{7AAE07B1-F293-477F-9D72-5CC0B17062FE}" sibTransId="{433DEA81-D76F-45BE-86B4-5936ADC3CABC}"/>
-    <dgm:cxn modelId="{4BFC200C-AB78-4D23-9EAF-277F9FC2600A}" type="presOf" srcId="{58BD9956-F42E-4EB9-80AD-0047FFE68A88}" destId="{5C353C69-625B-4AD3-904C-9C49CD56EC3F}" srcOrd="0" destOrd="0" presId="urn:microsoft.com/office/officeart/2005/8/layout/lProcess1"/>
-    <dgm:cxn modelId="{9DBB5013-A389-46FA-948A-8D478533C01D}" type="presOf" srcId="{BDAFBF87-4CFC-4344-BB59-B13C12345312}" destId="{AB8A7E3F-EB2B-4516-A19A-54EE91406F22}" srcOrd="0" destOrd="0" presId="urn:microsoft.com/office/officeart/2005/8/layout/lProcess1"/>
-    <dgm:cxn modelId="{3D4A4C1B-C6B2-4075-A2D8-20E04B323B62}" type="presOf" srcId="{E0D36637-1ED4-4CAB-83EA-3EE2B1490628}" destId="{065ED464-9F8A-4EEC-972D-F6DFC213D9B7}" srcOrd="0" destOrd="0" presId="urn:microsoft.com/office/officeart/2005/8/layout/lProcess1"/>
+    <dgm:cxn modelId="{CCFD52B9-D658-4F5E-AF54-B58AEE2CAF65}" type="presOf" srcId="{C04FCBDA-7A4F-4211-AE56-7098E443FCB2}" destId="{077CDC9A-8AD3-4C30-BCAB-1EF9F136F497}" srcOrd="0" destOrd="0" presId="urn:microsoft.com/office/officeart/2005/8/layout/lProcess1"/>
+    <dgm:cxn modelId="{A5CBAD66-B66E-46D2-A852-184EBEE18EE2}" type="presOf" srcId="{0CFB278C-1CEE-45BB-A8AC-59439EE4D0A0}" destId="{CCF71A21-BF06-4864-87AC-4E5C97449EB5}" srcOrd="0" destOrd="0" presId="urn:microsoft.com/office/officeart/2005/8/layout/lProcess1"/>
+    <dgm:cxn modelId="{EDD10F3E-69BA-491B-86F3-81C6C03198E6}" type="presOf" srcId="{C2F47E80-F817-4E19-9D4B-63C7E813DF30}" destId="{A1DD8EEB-3274-46AD-BAC3-F7A78FC08483}" srcOrd="0" destOrd="0" presId="urn:microsoft.com/office/officeart/2005/8/layout/lProcess1"/>
+    <dgm:cxn modelId="{BBB0D95A-2A0B-4ABE-AB32-13C0647BD223}" type="presOf" srcId="{274AA0DB-4CE1-4B16-BFF2-35A44DEF4EDB}" destId="{853D97F9-C408-4A11-8E46-B003FC8475D0}" srcOrd="0" destOrd="0" presId="urn:microsoft.com/office/officeart/2005/8/layout/lProcess1"/>
+    <dgm:cxn modelId="{7E0489D3-07A2-4B85-A7E1-D462F77FF9AD}" srcId="{58BD9956-F42E-4EB9-80AD-0047FFE68A88}" destId="{9F4E91B6-6F10-4A72-9F9E-9AB472D6E250}" srcOrd="3" destOrd="0" parTransId="{CF7F0069-9B7E-470F-B6E3-7B11FBD43CB7}" sibTransId="{BCB06213-F09B-4336-BE40-478D358BEBCE}"/>
+    <dgm:cxn modelId="{B2AD4321-4FA6-4EF4-B133-57A17B20AB8B}" srcId="{9F4E91B6-6F10-4A72-9F9E-9AB472D6E250}" destId="{44945DB9-289D-4798-A609-D5773091F8D2}" srcOrd="2" destOrd="0" parTransId="{1FAACDF3-31B3-4D63-A542-EAC4ECA9AA93}" sibTransId="{5F69FFEA-40F8-46C4-B6E7-DDC4BAE6C66B}"/>
+    <dgm:cxn modelId="{D4A6A838-6426-4B7C-8720-32399F0C1CE5}" type="presOf" srcId="{82D7AA7B-9168-4E06-80AA-5535C97B4806}" destId="{A9C8646A-9F7C-4E59-B7E8-0B65451B7CD0}" srcOrd="0" destOrd="0" presId="urn:microsoft.com/office/officeart/2005/8/layout/lProcess1"/>
+    <dgm:cxn modelId="{7A3A7468-330E-4FF7-AB2C-79EA88655A73}" type="presOf" srcId="{B0BFA49D-B1DD-44E1-9B11-4577463FE785}" destId="{4B48AC61-EBBF-4888-A631-0FFDE13DEBC9}" srcOrd="0" destOrd="0" presId="urn:microsoft.com/office/officeart/2005/8/layout/lProcess1"/>
+    <dgm:cxn modelId="{BEFB23FF-5EAF-49B3-BE16-3D8150B75CBC}" type="presOf" srcId="{B2AAFE12-753F-4C7F-ABFD-583608937230}" destId="{6A2B9185-7DFA-4528-8344-ECA4291281DE}" srcOrd="0" destOrd="0" presId="urn:microsoft.com/office/officeart/2005/8/layout/lProcess1"/>
+    <dgm:cxn modelId="{18C1D44C-53FB-4D6D-863A-7AEC2276337E}" type="presOf" srcId="{B86D66DC-EE2B-4FE5-801C-AF464918FD25}" destId="{0E0E4B96-A951-4ADD-B759-F418CECBAAC6}" srcOrd="0" destOrd="0" presId="urn:microsoft.com/office/officeart/2005/8/layout/lProcess1"/>
     <dgm:cxn modelId="{E8D0262B-B718-437E-882B-F8E07263C543}" type="presOf" srcId="{42091B5C-388B-4721-B6A2-73D777569671}" destId="{324228C6-D326-4C19-A6D3-70437CA1599B}" srcOrd="0" destOrd="0" presId="urn:microsoft.com/office/officeart/2005/8/layout/lProcess1"/>
-    <dgm:cxn modelId="{4A364D31-3E07-4C37-8D05-7124126FAD8B}" type="presOf" srcId="{3D901C43-624E-4DE9-B46F-9504A6420D60}" destId="{13370D9D-6CB5-42DE-AB34-759E187C954E}" srcOrd="0" destOrd="0" presId="urn:microsoft.com/office/officeart/2005/8/layout/lProcess1"/>
-    <dgm:cxn modelId="{F888F431-B31D-4FB1-949D-499AADEAF2D6}" srcId="{58BD9956-F42E-4EB9-80AD-0047FFE68A88}" destId="{B2AAFE12-753F-4C7F-ABFD-583608937230}" srcOrd="1" destOrd="0" parTransId="{EAE41DA4-E48D-4A01-B875-45C66EB70F76}" sibTransId="{8D9FAC83-2BCF-4821-8DA8-062F55BDCC81}"/>
-    <dgm:cxn modelId="{D4A6A838-6426-4B7C-8720-32399F0C1CE5}" type="presOf" srcId="{82D7AA7B-9168-4E06-80AA-5535C97B4806}" destId="{A9C8646A-9F7C-4E59-B7E8-0B65451B7CD0}" srcOrd="0" destOrd="0" presId="urn:microsoft.com/office/officeart/2005/8/layout/lProcess1"/>
-    <dgm:cxn modelId="{EDD10F3E-69BA-491B-86F3-81C6C03198E6}" type="presOf" srcId="{C2F47E80-F817-4E19-9D4B-63C7E813DF30}" destId="{A1DD8EEB-3274-46AD-BAC3-F7A78FC08483}" srcOrd="0" destOrd="0" presId="urn:microsoft.com/office/officeart/2005/8/layout/lProcess1"/>
-    <dgm:cxn modelId="{1A92D05D-DA66-4036-B8F6-562CF374EF70}" srcId="{58BD9956-F42E-4EB9-80AD-0047FFE68A88}" destId="{1B5648B8-98DF-425E-AE69-8C6D6E526156}" srcOrd="0" destOrd="0" parTransId="{F7AE92A1-DC59-420E-909E-2FBEEF20FA8F}" sibTransId="{EA0C92C0-6965-42D3-B8D7-A9872CE65C54}"/>
-    <dgm:cxn modelId="{ECFBE565-C72E-4372-9BA7-6A4401B7CAB1}" srcId="{1B5648B8-98DF-425E-AE69-8C6D6E526156}" destId="{42091B5C-388B-4721-B6A2-73D777569671}" srcOrd="0" destOrd="0" parTransId="{BDAFBF87-4CFC-4344-BB59-B13C12345312}" sibTransId="{2D71DA12-1BD6-414A-BB6C-6E32B920DF59}"/>
-    <dgm:cxn modelId="{A5CBAD66-B66E-46D2-A852-184EBEE18EE2}" type="presOf" srcId="{0CFB278C-1CEE-45BB-A8AC-59439EE4D0A0}" destId="{CCF71A21-BF06-4864-87AC-4E5C97449EB5}" srcOrd="0" destOrd="0" presId="urn:microsoft.com/office/officeart/2005/8/layout/lProcess1"/>
-    <dgm:cxn modelId="{12530A47-4996-4DDA-8CF2-49EA4B16CCBD}" srcId="{9F4E91B6-6F10-4A72-9F9E-9AB472D6E250}" destId="{B86D66DC-EE2B-4FE5-801C-AF464918FD25}" srcOrd="1" destOrd="0" parTransId="{A0F149A7-3B62-48F2-900A-4E5B7BE3BA74}" sibTransId="{B0BFA49D-B1DD-44E1-9B11-4577463FE785}"/>
-    <dgm:cxn modelId="{18C1D44C-53FB-4D6D-863A-7AEC2276337E}" type="presOf" srcId="{B86D66DC-EE2B-4FE5-801C-AF464918FD25}" destId="{0E0E4B96-A951-4ADD-B759-F418CECBAAC6}" srcOrd="0" destOrd="0" presId="urn:microsoft.com/office/officeart/2005/8/layout/lProcess1"/>
-    <dgm:cxn modelId="{35FC447A-67C2-4139-AF58-83D7E131F896}" type="presOf" srcId="{1B5648B8-98DF-425E-AE69-8C6D6E526156}" destId="{700E580B-0374-4D3B-9B69-D79C4014EF87}" srcOrd="0" destOrd="0" presId="urn:microsoft.com/office/officeart/2005/8/layout/lProcess1"/>
-    <dgm:cxn modelId="{BBB0D95A-2A0B-4ABE-AB32-13C0647BD223}" type="presOf" srcId="{274AA0DB-4CE1-4B16-BFF2-35A44DEF4EDB}" destId="{853D97F9-C408-4A11-8E46-B003FC8475D0}" srcOrd="0" destOrd="0" presId="urn:microsoft.com/office/officeart/2005/8/layout/lProcess1"/>
-    <dgm:cxn modelId="{2714458C-ABC9-40BF-BC87-8F72290057E0}" type="presOf" srcId="{C2F32362-1EC6-44CB-B851-B08CE42362BC}" destId="{A07F8E86-87B2-4715-847E-0660FD52DB6C}" srcOrd="0" destOrd="0" presId="urn:microsoft.com/office/officeart/2005/8/layout/lProcess1"/>
-    <dgm:cxn modelId="{0A869B94-5BF7-4542-9632-5CA98E586360}" type="presOf" srcId="{D81CB5FC-82CC-4D57-B8D0-7BE4D7D49A39}" destId="{1B299ADB-B823-41D4-BBE3-1BCAE1E00B10}" srcOrd="0" destOrd="0" presId="urn:microsoft.com/office/officeart/2005/8/layout/lProcess1"/>
-    <dgm:cxn modelId="{31B489A8-C56C-40A7-A63A-2863B65087C1}" srcId="{CE013924-C0BA-415C-AD90-FD1B0FB59D4A}" destId="{D81CB5FC-82CC-4D57-B8D0-7BE4D7D49A39}" srcOrd="0" destOrd="0" parTransId="{82D7AA7B-9168-4E06-80AA-5535C97B4806}" sibTransId="{0AD6D402-DB5A-496B-8F9E-D7CCF33752A5}"/>
-    <dgm:cxn modelId="{F3BBD5AB-7B3A-49D6-99BF-F0AB9A52698D}" srcId="{9F4E91B6-6F10-4A72-9F9E-9AB472D6E250}" destId="{C2F32362-1EC6-44CB-B851-B08CE42362BC}" srcOrd="0" destOrd="0" parTransId="{C2F47E80-F817-4E19-9D4B-63C7E813DF30}" sibTransId="{274AA0DB-4CE1-4B16-BFF2-35A44DEF4EDB}"/>
-    <dgm:cxn modelId="{C6DA23B2-142D-45C1-880D-6A13D161DB23}" type="presOf" srcId="{9F4E91B6-6F10-4A72-9F9E-9AB472D6E250}" destId="{61C97494-A055-44F0-BDFD-FF90747261EF}" srcOrd="0" destOrd="0" presId="urn:microsoft.com/office/officeart/2005/8/layout/lProcess1"/>
-    <dgm:cxn modelId="{CCFD52B9-D658-4F5E-AF54-B58AEE2CAF65}" type="presOf" srcId="{C04FCBDA-7A4F-4211-AE56-7098E443FCB2}" destId="{077CDC9A-8AD3-4C30-BCAB-1EF9F136F497}" srcOrd="0" destOrd="0" presId="urn:microsoft.com/office/officeart/2005/8/layout/lProcess1"/>
-    <dgm:cxn modelId="{7E0489D3-07A2-4B85-A7E1-D462F77FF9AD}" srcId="{58BD9956-F42E-4EB9-80AD-0047FFE68A88}" destId="{9F4E91B6-6F10-4A72-9F9E-9AB472D6E250}" srcOrd="3" destOrd="0" parTransId="{CF7F0069-9B7E-470F-B6E3-7B11FBD43CB7}" sibTransId="{BCB06213-F09B-4336-BE40-478D358BEBCE}"/>
-    <dgm:cxn modelId="{B36A05DF-589C-4840-B589-F1268674A30C}" srcId="{B2AAFE12-753F-4C7F-ABFD-583608937230}" destId="{3D901C43-624E-4DE9-B46F-9504A6420D60}" srcOrd="0" destOrd="0" parTransId="{C04FCBDA-7A4F-4211-AE56-7098E443FCB2}" sibTransId="{E0D36637-1ED4-4CAB-83EA-3EE2B1490628}"/>
-    <dgm:cxn modelId="{BEFB23FF-5EAF-49B3-BE16-3D8150B75CBC}" type="presOf" srcId="{B2AAFE12-753F-4C7F-ABFD-583608937230}" destId="{6A2B9185-7DFA-4528-8344-ECA4291281DE}" srcOrd="0" destOrd="0" presId="urn:microsoft.com/office/officeart/2005/8/layout/lProcess1"/>
     <dgm:cxn modelId="{E305B329-F43A-4D01-80C0-66F1D0DD9396}" type="presParOf" srcId="{5C353C69-625B-4AD3-904C-9C49CD56EC3F}" destId="{4471A1C0-3C84-4C33-9E2F-A9BE55B6EE58}" srcOrd="0" destOrd="0" presId="urn:microsoft.com/office/officeart/2005/8/layout/lProcess1"/>
     <dgm:cxn modelId="{91F8478F-4096-4784-843D-A3296FD38A60}" type="presParOf" srcId="{4471A1C0-3C84-4C33-9E2F-A9BE55B6EE58}" destId="{700E580B-0374-4D3B-9B69-D79C4014EF87}" srcOrd="0" destOrd="0" presId="urn:microsoft.com/office/officeart/2005/8/layout/lProcess1"/>
     <dgm:cxn modelId="{CADC9F58-3B0F-40DE-8FC6-E144B4CBAC2F}" type="presParOf" srcId="{4471A1C0-3C84-4C33-9E2F-A9BE55B6EE58}" destId="{AB8A7E3F-EB2B-4516-A19A-54EE91406F22}" srcOrd="1" destOrd="0" presId="urn:microsoft.com/office/officeart/2005/8/layout/lProcess1"/>
@@ -1429,6 +1624,8 @@
     <dgm:cxn modelId="{653C2EAC-7515-4D85-BD2C-4E864967CCD5}" type="presParOf" srcId="{F0F13D48-24D4-422B-96F2-B4E6F2FCFB9D}" destId="{A07F8E86-87B2-4715-847E-0660FD52DB6C}" srcOrd="2" destOrd="0" presId="urn:microsoft.com/office/officeart/2005/8/layout/lProcess1"/>
     <dgm:cxn modelId="{9FC85731-915A-40E3-95B6-9A68B9E47163}" type="presParOf" srcId="{F0F13D48-24D4-422B-96F2-B4E6F2FCFB9D}" destId="{853D97F9-C408-4A11-8E46-B003FC8475D0}" srcOrd="3" destOrd="0" presId="urn:microsoft.com/office/officeart/2005/8/layout/lProcess1"/>
     <dgm:cxn modelId="{69D840F8-061E-46EC-84A5-8FB996419256}" type="presParOf" srcId="{F0F13D48-24D4-422B-96F2-B4E6F2FCFB9D}" destId="{0E0E4B96-A951-4ADD-B759-F418CECBAAC6}" srcOrd="4" destOrd="0" presId="urn:microsoft.com/office/officeart/2005/8/layout/lProcess1"/>
+    <dgm:cxn modelId="{8BE32A6A-D789-4844-8402-8E22803BA3F3}" type="presParOf" srcId="{F0F13D48-24D4-422B-96F2-B4E6F2FCFB9D}" destId="{4B48AC61-EBBF-4888-A631-0FFDE13DEBC9}" srcOrd="5" destOrd="0" presId="urn:microsoft.com/office/officeart/2005/8/layout/lProcess1"/>
+    <dgm:cxn modelId="{9A76FBFC-F42D-4236-A663-14FCC40744BB}" type="presParOf" srcId="{F0F13D48-24D4-422B-96F2-B4E6F2FCFB9D}" destId="{B6F9B241-EAB4-4EEA-BB70-BD378F42B057}" srcOrd="6" destOrd="0" presId="urn:microsoft.com/office/officeart/2005/8/layout/lProcess1"/>
   </dgm:cxnLst>
   <dgm:bg/>
   <dgm:whole/>
@@ -1455,7 +1652,7 @@
       </dsp:nvSpPr>
       <dsp:spPr>
         <a:xfrm>
-          <a:off x="3388" y="2011911"/>
+          <a:off x="3388" y="1590069"/>
           <a:ext cx="2499807" cy="624951"/>
         </a:xfrm>
         <a:prstGeom prst="roundRect">
@@ -1526,7 +1723,7 @@
         </a:bodyPr>
         <a:lstStyle/>
         <a:p>
-          <a:pPr marL="0" lvl="0" indent="0" algn="ctr" defTabSz="1333500">
+          <a:pPr lvl="0" algn="ctr" defTabSz="1333500">
             <a:lnSpc>
               <a:spcPct val="90000"/>
             </a:lnSpc>
@@ -1536,7 +1733,6 @@
             <a:spcAft>
               <a:spcPct val="35000"/>
             </a:spcAft>
-            <a:buNone/>
           </a:pPr>
           <a:r>
             <a:rPr lang="en-US" sz="3000" kern="1200" dirty="0"/>
@@ -1546,7 +1742,7 @@
         </a:p>
       </dsp:txBody>
       <dsp:txXfrm>
-        <a:off x="21692" y="2030215"/>
+        <a:off x="21692" y="1608373"/>
         <a:ext cx="2463199" cy="588343"/>
       </dsp:txXfrm>
     </dsp:sp>
@@ -1557,7 +1753,7 @@
       </dsp:nvSpPr>
       <dsp:spPr>
         <a:xfrm rot="5400000">
-          <a:off x="1198609" y="2691547"/>
+          <a:off x="1198609" y="2269704"/>
           <a:ext cx="109366" cy="109366"/>
         </a:xfrm>
         <a:prstGeom prst="rightArrow">
@@ -1634,7 +1830,7 @@
       </dsp:nvSpPr>
       <dsp:spPr>
         <a:xfrm>
-          <a:off x="3388" y="2855597"/>
+          <a:off x="3388" y="2433754"/>
           <a:ext cx="2499807" cy="624951"/>
         </a:xfrm>
         <a:prstGeom prst="roundRect">
@@ -1681,12 +1877,12 @@
         <a:fontRef idx="minor"/>
       </dsp:style>
       <dsp:txBody>
-        <a:bodyPr spcFirstLastPara="0" vert="horz" wrap="square" lIns="15240" tIns="15240" rIns="15240" bIns="15240" numCol="1" spcCol="1270" anchor="ctr" anchorCtr="0">
+        <a:bodyPr spcFirstLastPara="0" vert="horz" wrap="square" lIns="16510" tIns="16510" rIns="16510" bIns="16510" numCol="1" spcCol="1270" anchor="ctr" anchorCtr="0">
           <a:noAutofit/>
         </a:bodyPr>
         <a:lstStyle/>
         <a:p>
-          <a:pPr marL="0" lvl="0" indent="0" algn="ctr" defTabSz="533400">
+          <a:pPr lvl="0" algn="ctr" defTabSz="577850">
             <a:lnSpc>
               <a:spcPct val="90000"/>
             </a:lnSpc>
@@ -1696,17 +1892,16 @@
             <a:spcAft>
               <a:spcPct val="35000"/>
             </a:spcAft>
-            <a:buNone/>
           </a:pPr>
           <a:r>
-            <a:rPr lang="en-US" sz="1200" b="1" i="1" kern="1200" dirty="0"/>
+            <a:rPr lang="en-US" sz="1300" b="1" i="1" kern="1200" dirty="0"/>
             <a:t>Beginning of task</a:t>
           </a:r>
-          <a:endParaRPr lang="LID4096" sz="1200" b="1" i="1" kern="1200" dirty="0"/>
+          <a:endParaRPr lang="LID4096" sz="1300" b="1" i="1" kern="1200" dirty="0"/>
         </a:p>
       </dsp:txBody>
       <dsp:txXfrm>
-        <a:off x="21692" y="2873901"/>
+        <a:off x="21692" y="2452058"/>
         <a:ext cx="2463199" cy="588343"/>
       </dsp:txXfrm>
     </dsp:sp>
@@ -1717,7 +1912,7 @@
       </dsp:nvSpPr>
       <dsp:spPr>
         <a:xfrm>
-          <a:off x="2853169" y="2011911"/>
+          <a:off x="2853169" y="1590069"/>
           <a:ext cx="2499807" cy="624951"/>
         </a:xfrm>
         <a:prstGeom prst="roundRect">
@@ -1788,7 +1983,7 @@
         </a:bodyPr>
         <a:lstStyle/>
         <a:p>
-          <a:pPr marL="0" lvl="0" indent="0" algn="ctr" defTabSz="1333500">
+          <a:pPr lvl="0" algn="ctr" defTabSz="1333500">
             <a:lnSpc>
               <a:spcPct val="90000"/>
             </a:lnSpc>
@@ -1798,7 +1993,6 @@
             <a:spcAft>
               <a:spcPct val="35000"/>
             </a:spcAft>
-            <a:buNone/>
           </a:pPr>
           <a:r>
             <a:rPr lang="en-US" sz="3000" kern="1200" dirty="0"/>
@@ -1808,7 +2002,7 @@
         </a:p>
       </dsp:txBody>
       <dsp:txXfrm>
-        <a:off x="2871473" y="2030215"/>
+        <a:off x="2871473" y="1608373"/>
         <a:ext cx="2463199" cy="588343"/>
       </dsp:txXfrm>
     </dsp:sp>
@@ -1819,7 +2013,7 @@
       </dsp:nvSpPr>
       <dsp:spPr>
         <a:xfrm rot="5400000">
-          <a:off x="4048389" y="2691547"/>
+          <a:off x="4048389" y="2269704"/>
           <a:ext cx="109366" cy="109366"/>
         </a:xfrm>
         <a:prstGeom prst="rightArrow">
@@ -1896,7 +2090,7 @@
       </dsp:nvSpPr>
       <dsp:spPr>
         <a:xfrm>
-          <a:off x="2853169" y="2855597"/>
+          <a:off x="2853169" y="2433754"/>
           <a:ext cx="2499807" cy="624951"/>
         </a:xfrm>
         <a:prstGeom prst="roundRect">
@@ -1943,12 +2137,12 @@
         <a:fontRef idx="minor"/>
       </dsp:style>
       <dsp:txBody>
-        <a:bodyPr spcFirstLastPara="0" vert="horz" wrap="square" lIns="15240" tIns="15240" rIns="15240" bIns="15240" numCol="1" spcCol="1270" anchor="ctr" anchorCtr="0">
+        <a:bodyPr spcFirstLastPara="0" vert="horz" wrap="square" lIns="16510" tIns="16510" rIns="16510" bIns="16510" numCol="1" spcCol="1270" anchor="ctr" anchorCtr="0">
           <a:noAutofit/>
         </a:bodyPr>
         <a:lstStyle/>
         <a:p>
-          <a:pPr marL="0" lvl="0" indent="0" algn="ctr" defTabSz="533400">
+          <a:pPr lvl="0" algn="ctr" defTabSz="577850">
             <a:lnSpc>
               <a:spcPct val="90000"/>
             </a:lnSpc>
@@ -1958,15 +2152,14 @@
             <a:spcAft>
               <a:spcPct val="35000"/>
             </a:spcAft>
-            <a:buNone/>
           </a:pPr>
           <a:r>
-            <a:rPr lang="en-US" sz="1200" b="1" i="1" kern="1200" dirty="0"/>
+            <a:rPr lang="en-US" sz="1300" b="1" i="1" kern="1200" dirty="0"/>
             <a:t>Trial grows:</a:t>
           </a:r>
         </a:p>
         <a:p>
-          <a:pPr marL="0" lvl="0" indent="0" algn="ctr" defTabSz="533400">
+          <a:pPr lvl="0" algn="ctr" defTabSz="577850">
             <a:lnSpc>
               <a:spcPct val="90000"/>
             </a:lnSpc>
@@ -1976,17 +2169,16 @@
             <a:spcAft>
               <a:spcPct val="35000"/>
             </a:spcAft>
-            <a:buNone/>
           </a:pPr>
           <a:r>
-            <a:rPr lang="en-US" sz="1200" kern="1200" dirty="0"/>
+            <a:rPr lang="en-US" sz="1300" kern="1200" dirty="0"/>
             <a:t>Self.td.current_trial +=1</a:t>
           </a:r>
-          <a:endParaRPr lang="LID4096" sz="1200" kern="1200" dirty="0"/>
+          <a:endParaRPr lang="LID4096" sz="1300" kern="1200" dirty="0"/>
         </a:p>
       </dsp:txBody>
       <dsp:txXfrm>
-        <a:off x="2871473" y="2873901"/>
+        <a:off x="2871473" y="2452058"/>
         <a:ext cx="2463199" cy="588343"/>
       </dsp:txXfrm>
     </dsp:sp>
@@ -1997,7 +2189,7 @@
       </dsp:nvSpPr>
       <dsp:spPr>
         <a:xfrm rot="5400000">
-          <a:off x="4048389" y="3535232"/>
+          <a:off x="4048389" y="3113389"/>
           <a:ext cx="109366" cy="109366"/>
         </a:xfrm>
         <a:prstGeom prst="rightArrow">
@@ -2074,7 +2266,7 @@
       </dsp:nvSpPr>
       <dsp:spPr>
         <a:xfrm>
-          <a:off x="2853169" y="3699282"/>
+          <a:off x="2853169" y="3277439"/>
           <a:ext cx="2499807" cy="624951"/>
         </a:xfrm>
         <a:prstGeom prst="roundRect">
@@ -2121,12 +2313,12 @@
         <a:fontRef idx="minor"/>
       </dsp:style>
       <dsp:txBody>
-        <a:bodyPr spcFirstLastPara="0" vert="horz" wrap="square" lIns="15240" tIns="15240" rIns="15240" bIns="15240" numCol="1" spcCol="1270" anchor="ctr" anchorCtr="0">
+        <a:bodyPr spcFirstLastPara="0" vert="horz" wrap="square" lIns="16510" tIns="16510" rIns="16510" bIns="16510" numCol="1" spcCol="1270" anchor="ctr" anchorCtr="0">
           <a:noAutofit/>
         </a:bodyPr>
         <a:lstStyle/>
         <a:p>
-          <a:pPr marL="0" lvl="0" indent="0" algn="ctr" defTabSz="533400">
+          <a:pPr lvl="0" algn="ctr" defTabSz="577850">
             <a:lnSpc>
               <a:spcPct val="90000"/>
             </a:lnSpc>
@@ -2136,17 +2328,16 @@
             <a:spcAft>
               <a:spcPct val="35000"/>
             </a:spcAft>
-            <a:buNone/>
           </a:pPr>
           <a:r>
-            <a:rPr lang="fr-FR" sz="1200" kern="1200"/>
+            <a:rPr lang="fr-FR" sz="1300" kern="1200"/>
             <a:t>Self.td.updata_current_sentence</a:t>
           </a:r>
-          <a:endParaRPr lang="LID4096" sz="1200" kern="1200" dirty="0"/>
+          <a:endParaRPr lang="LID4096" sz="1300" kern="1200" dirty="0"/>
         </a:p>
       </dsp:txBody>
       <dsp:txXfrm>
-        <a:off x="2871473" y="3717586"/>
+        <a:off x="2871473" y="3295743"/>
         <a:ext cx="2463199" cy="588343"/>
       </dsp:txXfrm>
     </dsp:sp>
@@ -2157,7 +2348,7 @@
       </dsp:nvSpPr>
       <dsp:spPr>
         <a:xfrm>
-          <a:off x="5702950" y="2011911"/>
+          <a:off x="5702950" y="1590069"/>
           <a:ext cx="2499807" cy="624951"/>
         </a:xfrm>
         <a:prstGeom prst="roundRect">
@@ -2228,7 +2419,7 @@
         </a:bodyPr>
         <a:lstStyle/>
         <a:p>
-          <a:pPr marL="0" lvl="0" indent="0" algn="ctr" defTabSz="1333500">
+          <a:pPr lvl="0" algn="ctr" defTabSz="1333500">
             <a:lnSpc>
               <a:spcPct val="90000"/>
             </a:lnSpc>
@@ -2238,7 +2429,6 @@
             <a:spcAft>
               <a:spcPct val="35000"/>
             </a:spcAft>
-            <a:buNone/>
           </a:pPr>
           <a:r>
             <a:rPr lang="en-US" sz="3000" kern="1200" dirty="0"/>
@@ -2248,7 +2438,7 @@
         </a:p>
       </dsp:txBody>
       <dsp:txXfrm>
-        <a:off x="5721254" y="2030215"/>
+        <a:off x="5721254" y="1608373"/>
         <a:ext cx="2463199" cy="588343"/>
       </dsp:txXfrm>
     </dsp:sp>
@@ -2259,7 +2449,7 @@
       </dsp:nvSpPr>
       <dsp:spPr>
         <a:xfrm rot="5400000">
-          <a:off x="6898170" y="2691547"/>
+          <a:off x="6898170" y="2269704"/>
           <a:ext cx="109366" cy="109366"/>
         </a:xfrm>
         <a:prstGeom prst="rightArrow">
@@ -2336,7 +2526,7 @@
       </dsp:nvSpPr>
       <dsp:spPr>
         <a:xfrm>
-          <a:off x="5702950" y="2855597"/>
+          <a:off x="5702950" y="2433754"/>
           <a:ext cx="2499807" cy="624951"/>
         </a:xfrm>
         <a:prstGeom prst="roundRect">
@@ -2383,12 +2573,12 @@
         <a:fontRef idx="minor"/>
       </dsp:style>
       <dsp:txBody>
-        <a:bodyPr spcFirstLastPara="0" vert="horz" wrap="square" lIns="15240" tIns="15240" rIns="15240" bIns="15240" numCol="1" spcCol="1270" anchor="ctr" anchorCtr="0">
+        <a:bodyPr spcFirstLastPara="0" vert="horz" wrap="square" lIns="16510" tIns="16510" rIns="16510" bIns="16510" numCol="1" spcCol="1270" anchor="ctr" anchorCtr="0">
           <a:noAutofit/>
         </a:bodyPr>
         <a:lstStyle/>
         <a:p>
-          <a:pPr marL="0" lvl="0" indent="0" algn="ctr" defTabSz="533400">
+          <a:pPr lvl="0" algn="ctr" defTabSz="577850">
             <a:lnSpc>
               <a:spcPct val="90000"/>
             </a:lnSpc>
@@ -2398,17 +2588,16 @@
             <a:spcAft>
               <a:spcPct val="35000"/>
             </a:spcAft>
-            <a:buNone/>
           </a:pPr>
           <a:r>
-            <a:rPr lang="en-US" sz="1200" b="1" i="1" kern="1200" dirty="0"/>
+            <a:rPr lang="en-US" sz="1300" b="1" i="1" kern="1200" dirty="0"/>
             <a:t>Initiates current trial</a:t>
           </a:r>
-          <a:endParaRPr lang="LID4096" sz="1200" b="1" i="1" kern="1200" dirty="0"/>
+          <a:endParaRPr lang="LID4096" sz="1300" b="1" i="1" kern="1200" dirty="0"/>
         </a:p>
       </dsp:txBody>
       <dsp:txXfrm>
-        <a:off x="5721254" y="2873901"/>
+        <a:off x="5721254" y="2452058"/>
         <a:ext cx="2463199" cy="588343"/>
       </dsp:txXfrm>
     </dsp:sp>
@@ -2419,7 +2608,7 @@
       </dsp:nvSpPr>
       <dsp:spPr>
         <a:xfrm>
-          <a:off x="8552730" y="2011911"/>
+          <a:off x="8552730" y="1590069"/>
           <a:ext cx="2499807" cy="624951"/>
         </a:xfrm>
         <a:prstGeom prst="roundRect">
@@ -2490,7 +2679,7 @@
         </a:bodyPr>
         <a:lstStyle/>
         <a:p>
-          <a:pPr marL="0" lvl="0" indent="0" algn="ctr" defTabSz="1333500">
+          <a:pPr lvl="0" algn="ctr" defTabSz="1333500">
             <a:lnSpc>
               <a:spcPct val="90000"/>
             </a:lnSpc>
@@ -2500,7 +2689,6 @@
             <a:spcAft>
               <a:spcPct val="35000"/>
             </a:spcAft>
-            <a:buNone/>
           </a:pPr>
           <a:r>
             <a:rPr lang="en-US" sz="3000" kern="1200" dirty="0"/>
@@ -2510,7 +2698,7 @@
         </a:p>
       </dsp:txBody>
       <dsp:txXfrm>
-        <a:off x="8571034" y="2030215"/>
+        <a:off x="8571034" y="1608373"/>
         <a:ext cx="2463199" cy="588343"/>
       </dsp:txXfrm>
     </dsp:sp>
@@ -2521,7 +2709,7 @@
       </dsp:nvSpPr>
       <dsp:spPr>
         <a:xfrm rot="5400000">
-          <a:off x="9747951" y="2691547"/>
+          <a:off x="9747951" y="2269704"/>
           <a:ext cx="109366" cy="109366"/>
         </a:xfrm>
         <a:prstGeom prst="rightArrow">
@@ -2598,7 +2786,7 @@
       </dsp:nvSpPr>
       <dsp:spPr>
         <a:xfrm>
-          <a:off x="8552730" y="2855597"/>
+          <a:off x="8552730" y="2433754"/>
           <a:ext cx="2499807" cy="624951"/>
         </a:xfrm>
         <a:prstGeom prst="roundRect">
@@ -2645,12 +2833,12 @@
         <a:fontRef idx="minor"/>
       </dsp:style>
       <dsp:txBody>
-        <a:bodyPr spcFirstLastPara="0" vert="horz" wrap="square" lIns="15240" tIns="15240" rIns="15240" bIns="15240" numCol="1" spcCol="1270" anchor="ctr" anchorCtr="0">
+        <a:bodyPr spcFirstLastPara="0" vert="horz" wrap="square" lIns="16510" tIns="16510" rIns="16510" bIns="16510" numCol="1" spcCol="1270" anchor="ctr" anchorCtr="0">
           <a:noAutofit/>
         </a:bodyPr>
         <a:lstStyle/>
         <a:p>
-          <a:pPr marL="0" lvl="0" indent="0" algn="ctr" defTabSz="533400">
+          <a:pPr lvl="0" algn="ctr" defTabSz="577850">
             <a:lnSpc>
               <a:spcPct val="90000"/>
             </a:lnSpc>
@@ -2660,17 +2848,16 @@
             <a:spcAft>
               <a:spcPct val="35000"/>
             </a:spcAft>
-            <a:buNone/>
           </a:pPr>
           <a:r>
-            <a:rPr lang="en-US" sz="1200" b="1" i="1" kern="1200" dirty="0"/>
+            <a:rPr lang="en-US" sz="1300" b="1" i="1" kern="1200" dirty="0"/>
             <a:t>Event oriented function – initiated after &lt;Right&gt; or &lt;Left&gt; keyboard response</a:t>
           </a:r>
-          <a:endParaRPr lang="LID4096" sz="1200" b="1" i="1" kern="1200" dirty="0"/>
+          <a:endParaRPr lang="LID4096" sz="1300" b="1" i="1" kern="1200" dirty="0"/>
         </a:p>
       </dsp:txBody>
       <dsp:txXfrm>
-        <a:off x="8571034" y="2873901"/>
+        <a:off x="8571034" y="2452058"/>
         <a:ext cx="2463199" cy="588343"/>
       </dsp:txXfrm>
     </dsp:sp>
@@ -2681,7 +2868,7 @@
       </dsp:nvSpPr>
       <dsp:spPr>
         <a:xfrm rot="5400000">
-          <a:off x="9747951" y="3535232"/>
+          <a:off x="9747951" y="3113389"/>
           <a:ext cx="109366" cy="109366"/>
         </a:xfrm>
         <a:prstGeom prst="rightArrow">
@@ -2758,7 +2945,7 @@
       </dsp:nvSpPr>
       <dsp:spPr>
         <a:xfrm>
-          <a:off x="8552730" y="3699282"/>
+          <a:off x="8552730" y="3277439"/>
           <a:ext cx="2499807" cy="624951"/>
         </a:xfrm>
         <a:prstGeom prst="roundRect">
@@ -2805,12 +2992,12 @@
         <a:fontRef idx="minor"/>
       </dsp:style>
       <dsp:txBody>
-        <a:bodyPr spcFirstLastPara="0" vert="horz" wrap="square" lIns="15240" tIns="15240" rIns="15240" bIns="15240" numCol="1" spcCol="1270" anchor="ctr" anchorCtr="0">
+        <a:bodyPr spcFirstLastPara="0" vert="horz" wrap="square" lIns="16510" tIns="16510" rIns="16510" bIns="16510" numCol="1" spcCol="1270" anchor="ctr" anchorCtr="0">
           <a:noAutofit/>
         </a:bodyPr>
         <a:lstStyle/>
         <a:p>
-          <a:pPr marL="0" lvl="0" indent="0" algn="ctr" defTabSz="533400">
+          <a:pPr lvl="0" algn="ctr" defTabSz="577850">
             <a:lnSpc>
               <a:spcPct val="90000"/>
             </a:lnSpc>
@@ -2820,17 +3007,179 @@
             <a:spcAft>
               <a:spcPct val="35000"/>
             </a:spcAft>
-            <a:buNone/>
           </a:pPr>
           <a:r>
-            <a:rPr lang="en-US" sz="1200" kern="1200"/>
-            <a:t>Self.td.record _trial</a:t>
+            <a:rPr lang="en-US" sz="1300" kern="1200" dirty="0" err="1"/>
+            <a:t>Self.td.record</a:t>
           </a:r>
-          <a:endParaRPr lang="LID4096" sz="1200" b="1" i="1" kern="1200" dirty="0"/>
+          <a:r>
+            <a:rPr lang="en-US" sz="1300" kern="1200" dirty="0"/>
+            <a:t> _trial</a:t>
+          </a:r>
+          <a:endParaRPr lang="LID4096" sz="1300" b="1" i="1" kern="1200" dirty="0"/>
         </a:p>
       </dsp:txBody>
       <dsp:txXfrm>
-        <a:off x="8571034" y="3717586"/>
+        <a:off x="8571034" y="3295743"/>
+        <a:ext cx="2463199" cy="588343"/>
+      </dsp:txXfrm>
+    </dsp:sp>
+    <dsp:sp modelId="{4B48AC61-EBBF-4888-A631-0FFDE13DEBC9}">
+      <dsp:nvSpPr>
+        <dsp:cNvPr id="0" name=""/>
+        <dsp:cNvSpPr/>
+      </dsp:nvSpPr>
+      <dsp:spPr>
+        <a:xfrm rot="5400000">
+          <a:off x="9747951" y="3957074"/>
+          <a:ext cx="109366" cy="109366"/>
+        </a:xfrm>
+        <a:prstGeom prst="rightArrow">
+          <a:avLst>
+            <a:gd name="adj1" fmla="val 66700"/>
+            <a:gd name="adj2" fmla="val 50000"/>
+          </a:avLst>
+        </a:prstGeom>
+        <a:gradFill rotWithShape="0">
+          <a:gsLst>
+            <a:gs pos="0">
+              <a:schemeClr val="accent1">
+                <a:tint val="60000"/>
+                <a:hueOff val="0"/>
+                <a:satOff val="0"/>
+                <a:lumOff val="0"/>
+                <a:alphaOff val="0"/>
+                <a:satMod val="103000"/>
+                <a:lumMod val="102000"/>
+                <a:tint val="94000"/>
+              </a:schemeClr>
+            </a:gs>
+            <a:gs pos="50000">
+              <a:schemeClr val="accent1">
+                <a:tint val="60000"/>
+                <a:hueOff val="0"/>
+                <a:satOff val="0"/>
+                <a:lumOff val="0"/>
+                <a:alphaOff val="0"/>
+                <a:satMod val="110000"/>
+                <a:lumMod val="100000"/>
+                <a:shade val="100000"/>
+              </a:schemeClr>
+            </a:gs>
+            <a:gs pos="100000">
+              <a:schemeClr val="accent1">
+                <a:tint val="60000"/>
+                <a:hueOff val="0"/>
+                <a:satOff val="0"/>
+                <a:lumOff val="0"/>
+                <a:alphaOff val="0"/>
+                <a:lumMod val="99000"/>
+                <a:satMod val="120000"/>
+                <a:shade val="78000"/>
+              </a:schemeClr>
+            </a:gs>
+          </a:gsLst>
+          <a:lin ang="5400000" scaled="0"/>
+        </a:gradFill>
+        <a:ln>
+          <a:noFill/>
+        </a:ln>
+        <a:effectLst/>
+      </dsp:spPr>
+      <dsp:style>
+        <a:lnRef idx="0">
+          <a:scrgbClr r="0" g="0" b="0"/>
+        </a:lnRef>
+        <a:fillRef idx="3">
+          <a:scrgbClr r="0" g="0" b="0"/>
+        </a:fillRef>
+        <a:effectRef idx="2">
+          <a:scrgbClr r="0" g="0" b="0"/>
+        </a:effectRef>
+        <a:fontRef idx="minor">
+          <a:schemeClr val="lt1"/>
+        </a:fontRef>
+      </dsp:style>
+    </dsp:sp>
+    <dsp:sp modelId="{B6F9B241-EAB4-4EEA-BB70-BD378F42B057}">
+      <dsp:nvSpPr>
+        <dsp:cNvPr id="0" name=""/>
+        <dsp:cNvSpPr/>
+      </dsp:nvSpPr>
+      <dsp:spPr>
+        <a:xfrm>
+          <a:off x="8552730" y="4121124"/>
+          <a:ext cx="2499807" cy="624951"/>
+        </a:xfrm>
+        <a:prstGeom prst="roundRect">
+          <a:avLst>
+            <a:gd name="adj" fmla="val 10000"/>
+          </a:avLst>
+        </a:prstGeom>
+        <a:solidFill>
+          <a:schemeClr val="accent1">
+            <a:alpha val="90000"/>
+            <a:tint val="40000"/>
+            <a:hueOff val="0"/>
+            <a:satOff val="0"/>
+            <a:lumOff val="0"/>
+            <a:alphaOff val="0"/>
+          </a:schemeClr>
+        </a:solidFill>
+        <a:ln w="6350" cap="flat" cmpd="sng" algn="ctr">
+          <a:solidFill>
+            <a:schemeClr val="accent1">
+              <a:alpha val="90000"/>
+              <a:tint val="40000"/>
+              <a:hueOff val="0"/>
+              <a:satOff val="0"/>
+              <a:lumOff val="0"/>
+              <a:alphaOff val="0"/>
+            </a:schemeClr>
+          </a:solidFill>
+          <a:prstDash val="solid"/>
+          <a:miter lim="800000"/>
+        </a:ln>
+        <a:effectLst/>
+      </dsp:spPr>
+      <dsp:style>
+        <a:lnRef idx="1">
+          <a:scrgbClr r="0" g="0" b="0"/>
+        </a:lnRef>
+        <a:fillRef idx="1">
+          <a:scrgbClr r="0" g="0" b="0"/>
+        </a:fillRef>
+        <a:effectRef idx="0">
+          <a:scrgbClr r="0" g="0" b="0"/>
+        </a:effectRef>
+        <a:fontRef idx="minor"/>
+      </dsp:style>
+      <dsp:txBody>
+        <a:bodyPr spcFirstLastPara="0" vert="horz" wrap="square" lIns="16510" tIns="16510" rIns="16510" bIns="16510" numCol="1" spcCol="1270" anchor="ctr" anchorCtr="0">
+          <a:noAutofit/>
+        </a:bodyPr>
+        <a:lstStyle/>
+        <a:p>
+          <a:pPr lvl="0" algn="ctr" defTabSz="577850">
+            <a:lnSpc>
+              <a:spcPct val="90000"/>
+            </a:lnSpc>
+            <a:spcBef>
+              <a:spcPct val="0"/>
+            </a:spcBef>
+            <a:spcAft>
+              <a:spcPct val="35000"/>
+            </a:spcAft>
+          </a:pPr>
+          <a:r>
+            <a:rPr lang="en-US" sz="1300" b="0" i="0" kern="1200" dirty="0" err="1" smtClean="0"/>
+            <a:t>Self._continue</a:t>
+          </a:r>
+          <a:endParaRPr lang="LID4096" sz="1300" b="0" i="0" kern="1200" dirty="0"/>
+        </a:p>
+      </dsp:txBody>
+      <dsp:txXfrm>
+        <a:off x="8571034" y="4139428"/>
         <a:ext cx="2463199" cy="588343"/>
       </dsp:txXfrm>
     </dsp:sp>
@@ -4290,7 +4639,7 @@
           <a:p>
             <a:fld id="{02AC24A9-CCB6-4F8D-B8DB-C2F3692CFA5A}" type="datetimeFigureOut">
               <a:rPr lang="en-US" smtClean="0"/>
-              <a:t>1/18/2020</a:t>
+              <a:t>1/21/2020</a:t>
             </a:fld>
             <a:endParaRPr lang="en-US" dirty="0"/>
           </a:p>
@@ -4660,7 +5009,7 @@
           <a:p>
             <a:fld id="{02AC24A9-CCB6-4F8D-B8DB-C2F3692CFA5A}" type="datetimeFigureOut">
               <a:rPr lang="en-US" smtClean="0"/>
-              <a:t>1/18/2020</a:t>
+              <a:t>1/21/2020</a:t>
             </a:fld>
             <a:endParaRPr lang="en-US"/>
           </a:p>
@@ -4869,7 +5218,7 @@
           <a:p>
             <a:fld id="{02AC24A9-CCB6-4F8D-B8DB-C2F3692CFA5A}" type="datetimeFigureOut">
               <a:rPr lang="en-US" smtClean="0"/>
-              <a:t>1/18/2020</a:t>
+              <a:t>1/21/2020</a:t>
             </a:fld>
             <a:endParaRPr lang="en-US"/>
           </a:p>
@@ -5339,7 +5688,7 @@
           <a:p>
             <a:fld id="{02AC24A9-CCB6-4F8D-B8DB-C2F3692CFA5A}" type="datetimeFigureOut">
               <a:rPr lang="en-US" smtClean="0"/>
-              <a:t>1/18/2020</a:t>
+              <a:t>1/21/2020</a:t>
             </a:fld>
             <a:endParaRPr lang="en-US"/>
           </a:p>
@@ -5793,7 +6142,7 @@
           <a:p>
             <a:fld id="{02AC24A9-CCB6-4F8D-B8DB-C2F3692CFA5A}" type="datetimeFigureOut">
               <a:rPr lang="en-US" smtClean="0"/>
-              <a:t>1/18/2020</a:t>
+              <a:t>1/21/2020</a:t>
             </a:fld>
             <a:endParaRPr lang="en-US"/>
           </a:p>
@@ -6325,7 +6674,7 @@
           <a:p>
             <a:fld id="{02AC24A9-CCB6-4F8D-B8DB-C2F3692CFA5A}" type="datetimeFigureOut">
               <a:rPr lang="en-US" smtClean="0"/>
-              <a:t>1/18/2020</a:t>
+              <a:t>1/21/2020</a:t>
             </a:fld>
             <a:endParaRPr lang="en-US"/>
           </a:p>
@@ -7024,7 +7373,7 @@
           <a:p>
             <a:fld id="{02AC24A9-CCB6-4F8D-B8DB-C2F3692CFA5A}" type="datetimeFigureOut">
               <a:rPr lang="en-US" smtClean="0"/>
-              <a:t>1/18/2020</a:t>
+              <a:t>1/21/2020</a:t>
             </a:fld>
             <a:endParaRPr lang="en-US"/>
           </a:p>
@@ -7353,7 +7702,7 @@
           <a:p>
             <a:fld id="{02AC24A9-CCB6-4F8D-B8DB-C2F3692CFA5A}" type="datetimeFigureOut">
               <a:rPr lang="en-US" smtClean="0"/>
-              <a:t>1/18/2020</a:t>
+              <a:t>1/21/2020</a:t>
             </a:fld>
             <a:endParaRPr lang="en-US"/>
           </a:p>
@@ -7466,7 +7815,7 @@
           <a:p>
             <a:fld id="{02AC24A9-CCB6-4F8D-B8DB-C2F3692CFA5A}" type="datetimeFigureOut">
               <a:rPr lang="en-US" smtClean="0"/>
-              <a:t>1/18/2020</a:t>
+              <a:t>1/21/2020</a:t>
             </a:fld>
             <a:endParaRPr lang="en-US"/>
           </a:p>
@@ -7961,7 +8310,7 @@
           <a:p>
             <a:fld id="{02AC24A9-CCB6-4F8D-B8DB-C2F3692CFA5A}" type="datetimeFigureOut">
               <a:rPr lang="en-US" smtClean="0"/>
-              <a:t>1/18/2020</a:t>
+              <a:t>1/21/2020</a:t>
             </a:fld>
             <a:endParaRPr lang="en-US" dirty="0"/>
           </a:p>
@@ -8438,7 +8787,7 @@
           <a:p>
             <a:fld id="{02AC24A9-CCB6-4F8D-B8DB-C2F3692CFA5A}" type="datetimeFigureOut">
               <a:rPr lang="en-US" smtClean="0"/>
-              <a:t>1/18/2020</a:t>
+              <a:t>1/21/2020</a:t>
             </a:fld>
             <a:endParaRPr lang="en-US"/>
           </a:p>
@@ -8681,7 +9030,7 @@
           <a:p>
             <a:fld id="{02AC24A9-CCB6-4F8D-B8DB-C2F3692CFA5A}" type="datetimeFigureOut">
               <a:rPr lang="en-US" smtClean="0"/>
-              <a:t>1/18/2020</a:t>
+              <a:t>1/21/2020</a:t>
             </a:fld>
             <a:endParaRPr lang="en-US"/>
           </a:p>
@@ -9114,7 +9463,7 @@
                 <a16:creationId xmlns:a16="http://schemas.microsoft.com/office/drawing/2014/main" id="{2FB82883-1DC0-4BE1-A607-009095F3355A}"/>
               </a:ext>
               <a:ext uri="{C183D7F6-B498-43B3-948B-1728B52AA6E4}">
-                <adec:decorative xmlns:adec="http://schemas.microsoft.com/office/drawing/2017/decorative" val="1"/>
+                <adec:decorative xmlns:adec="http://schemas.microsoft.com/office/drawing/2017/decorative" xmlns="" val="1"/>
               </a:ext>
             </a:extLst>
           </p:cNvPr>
@@ -9203,7 +9552,7 @@
                 <a16:creationId xmlns:a16="http://schemas.microsoft.com/office/drawing/2014/main" id="{A3473CF9-37EB-43E7-89EF-D2D1C53D1DAC}"/>
               </a:ext>
               <a:ext uri="{C183D7F6-B498-43B3-948B-1728B52AA6E4}">
-                <adec:decorative xmlns:adec="http://schemas.microsoft.com/office/drawing/2017/decorative" val="1"/>
+                <adec:decorative xmlns:adec="http://schemas.microsoft.com/office/drawing/2017/decorative" xmlns="" val="1"/>
               </a:ext>
             </a:extLst>
           </p:cNvPr>
@@ -9340,7 +9689,7 @@
                 <a16:creationId xmlns:a16="http://schemas.microsoft.com/office/drawing/2014/main" id="{586B4EF9-43BA-4655-A6FF-1D8E21574C95}"/>
               </a:ext>
               <a:ext uri="{C183D7F6-B498-43B3-948B-1728B52AA6E4}">
-                <adec:decorative xmlns:adec="http://schemas.microsoft.com/office/drawing/2017/decorative" val="1"/>
+                <adec:decorative xmlns:adec="http://schemas.microsoft.com/office/drawing/2017/decorative" xmlns="" val="1"/>
               </a:ext>
             </a:extLst>
           </p:cNvPr>
@@ -9485,7 +9834,7 @@
           <p:nvPr>
             <p:extLst>
               <p:ext uri="{D42A27DB-BD31-4B8C-83A1-F6EECF244321}">
-                <p14:modId xmlns:p14="http://schemas.microsoft.com/office/powerpoint/2010/main" val="1579309189"/>
+                <p14:modId xmlns:p14="http://schemas.microsoft.com/office/powerpoint/2010/main" val="752146128"/>
               </p:ext>
             </p:extLst>
           </p:nvPr>

--- a/Code Design.pptx
+++ b/Code Design.pptx
@@ -1571,36 +1571,36 @@
     </dgm:pt>
   </dgm:ptLst>
   <dgm:cxnLst>
+    <dgm:cxn modelId="{7E0489D3-07A2-4B85-A7E1-D462F77FF9AD}" srcId="{58BD9956-F42E-4EB9-80AD-0047FFE68A88}" destId="{9F4E91B6-6F10-4A72-9F9E-9AB472D6E250}" srcOrd="3" destOrd="0" parTransId="{CF7F0069-9B7E-470F-B6E3-7B11FBD43CB7}" sibTransId="{BCB06213-F09B-4336-BE40-478D358BEBCE}"/>
+    <dgm:cxn modelId="{4A364D31-3E07-4C37-8D05-7124126FAD8B}" type="presOf" srcId="{3D901C43-624E-4DE9-B46F-9504A6420D60}" destId="{13370D9D-6CB5-42DE-AB34-759E187C954E}" srcOrd="0" destOrd="0" presId="urn:microsoft.com/office/officeart/2005/8/layout/lProcess1"/>
+    <dgm:cxn modelId="{3A67C503-B3D2-49D6-9DAD-CDEDADD444FF}" type="presOf" srcId="{CE013924-C0BA-415C-AD90-FD1B0FB59D4A}" destId="{5D7BE273-B8E7-42B6-A88A-52B41DBFA9EB}" srcOrd="0" destOrd="0" presId="urn:microsoft.com/office/officeart/2005/8/layout/lProcess1"/>
+    <dgm:cxn modelId="{75278709-0DD8-43D9-81B6-B9E9842D461F}" srcId="{B2AAFE12-753F-4C7F-ABFD-583608937230}" destId="{0CFB278C-1CEE-45BB-A8AC-59439EE4D0A0}" srcOrd="1" destOrd="0" parTransId="{7AAE07B1-F293-477F-9D72-5CC0B17062FE}" sibTransId="{433DEA81-D76F-45BE-86B4-5936ADC3CABC}"/>
+    <dgm:cxn modelId="{18C1D44C-53FB-4D6D-863A-7AEC2276337E}" type="presOf" srcId="{B86D66DC-EE2B-4FE5-801C-AF464918FD25}" destId="{0E0E4B96-A951-4ADD-B759-F418CECBAAC6}" srcOrd="0" destOrd="0" presId="urn:microsoft.com/office/officeart/2005/8/layout/lProcess1"/>
+    <dgm:cxn modelId="{12530A47-4996-4DDA-8CF2-49EA4B16CCBD}" srcId="{9F4E91B6-6F10-4A72-9F9E-9AB472D6E250}" destId="{B86D66DC-EE2B-4FE5-801C-AF464918FD25}" srcOrd="1" destOrd="0" parTransId="{A0F149A7-3B62-48F2-900A-4E5B7BE3BA74}" sibTransId="{B0BFA49D-B1DD-44E1-9B11-4577463FE785}"/>
+    <dgm:cxn modelId="{3D4A4C1B-C6B2-4075-A2D8-20E04B323B62}" type="presOf" srcId="{E0D36637-1ED4-4CAB-83EA-3EE2B1490628}" destId="{065ED464-9F8A-4EEC-972D-F6DFC213D9B7}" srcOrd="0" destOrd="0" presId="urn:microsoft.com/office/officeart/2005/8/layout/lProcess1"/>
+    <dgm:cxn modelId="{EDD10F3E-69BA-491B-86F3-81C6C03198E6}" type="presOf" srcId="{C2F47E80-F817-4E19-9D4B-63C7E813DF30}" destId="{A1DD8EEB-3274-46AD-BAC3-F7A78FC08483}" srcOrd="0" destOrd="0" presId="urn:microsoft.com/office/officeart/2005/8/layout/lProcess1"/>
     <dgm:cxn modelId="{4BFC200C-AB78-4D23-9EAF-277F9FC2600A}" type="presOf" srcId="{58BD9956-F42E-4EB9-80AD-0047FFE68A88}" destId="{5C353C69-625B-4AD3-904C-9C49CD56EC3F}" srcOrd="0" destOrd="0" presId="urn:microsoft.com/office/officeart/2005/8/layout/lProcess1"/>
+    <dgm:cxn modelId="{2714458C-ABC9-40BF-BC87-8F72290057E0}" type="presOf" srcId="{C2F32362-1EC6-44CB-B851-B08CE42362BC}" destId="{A07F8E86-87B2-4715-847E-0660FD52DB6C}" srcOrd="0" destOrd="0" presId="urn:microsoft.com/office/officeart/2005/8/layout/lProcess1"/>
+    <dgm:cxn modelId="{ECFBE565-C72E-4372-9BA7-6A4401B7CAB1}" srcId="{1B5648B8-98DF-425E-AE69-8C6D6E526156}" destId="{42091B5C-388B-4721-B6A2-73D777569671}" srcOrd="0" destOrd="0" parTransId="{BDAFBF87-4CFC-4344-BB59-B13C12345312}" sibTransId="{2D71DA12-1BD6-414A-BB6C-6E32B920DF59}"/>
+    <dgm:cxn modelId="{F5AAB600-AB87-495D-B5FB-02869A5BC519}" srcId="{58BD9956-F42E-4EB9-80AD-0047FFE68A88}" destId="{CE013924-C0BA-415C-AD90-FD1B0FB59D4A}" srcOrd="2" destOrd="0" parTransId="{49FC77BC-6110-4809-BBD9-EAFB067BC54D}" sibTransId="{EF10F6B0-BEAB-46CB-8334-C474F07E194D}"/>
+    <dgm:cxn modelId="{A5CBAD66-B66E-46D2-A852-184EBEE18EE2}" type="presOf" srcId="{0CFB278C-1CEE-45BB-A8AC-59439EE4D0A0}" destId="{CCF71A21-BF06-4864-87AC-4E5C97449EB5}" srcOrd="0" destOrd="0" presId="urn:microsoft.com/office/officeart/2005/8/layout/lProcess1"/>
+    <dgm:cxn modelId="{CCFD52B9-D658-4F5E-AF54-B58AEE2CAF65}" type="presOf" srcId="{C04FCBDA-7A4F-4211-AE56-7098E443FCB2}" destId="{077CDC9A-8AD3-4C30-BCAB-1EF9F136F497}" srcOrd="0" destOrd="0" presId="urn:microsoft.com/office/officeart/2005/8/layout/lProcess1"/>
+    <dgm:cxn modelId="{BEFB23FF-5EAF-49B3-BE16-3D8150B75CBC}" type="presOf" srcId="{B2AAFE12-753F-4C7F-ABFD-583608937230}" destId="{6A2B9185-7DFA-4528-8344-ECA4291281DE}" srcOrd="0" destOrd="0" presId="urn:microsoft.com/office/officeart/2005/8/layout/lProcess1"/>
     <dgm:cxn modelId="{C6DA23B2-142D-45C1-880D-6A13D161DB23}" type="presOf" srcId="{9F4E91B6-6F10-4A72-9F9E-9AB472D6E250}" destId="{61C97494-A055-44F0-BDFD-FF90747261EF}" srcOrd="0" destOrd="0" presId="urn:microsoft.com/office/officeart/2005/8/layout/lProcess1"/>
-    <dgm:cxn modelId="{3D4A4C1B-C6B2-4075-A2D8-20E04B323B62}" type="presOf" srcId="{E0D36637-1ED4-4CAB-83EA-3EE2B1490628}" destId="{065ED464-9F8A-4EEC-972D-F6DFC213D9B7}" srcOrd="0" destOrd="0" presId="urn:microsoft.com/office/officeart/2005/8/layout/lProcess1"/>
-    <dgm:cxn modelId="{F5AAB600-AB87-495D-B5FB-02869A5BC519}" srcId="{58BD9956-F42E-4EB9-80AD-0047FFE68A88}" destId="{CE013924-C0BA-415C-AD90-FD1B0FB59D4A}" srcOrd="2" destOrd="0" parTransId="{49FC77BC-6110-4809-BBD9-EAFB067BC54D}" sibTransId="{EF10F6B0-BEAB-46CB-8334-C474F07E194D}"/>
-    <dgm:cxn modelId="{2714458C-ABC9-40BF-BC87-8F72290057E0}" type="presOf" srcId="{C2F32362-1EC6-44CB-B851-B08CE42362BC}" destId="{A07F8E86-87B2-4715-847E-0660FD52DB6C}" srcOrd="0" destOrd="0" presId="urn:microsoft.com/office/officeart/2005/8/layout/lProcess1"/>
+    <dgm:cxn modelId="{1A92D05D-DA66-4036-B8F6-562CF374EF70}" srcId="{58BD9956-F42E-4EB9-80AD-0047FFE68A88}" destId="{1B5648B8-98DF-425E-AE69-8C6D6E526156}" srcOrd="0" destOrd="0" parTransId="{F7AE92A1-DC59-420E-909E-2FBEEF20FA8F}" sibTransId="{EA0C92C0-6965-42D3-B8D7-A9872CE65C54}"/>
+    <dgm:cxn modelId="{15267593-DBA2-4C27-BDBF-50B96276C87A}" type="presOf" srcId="{44945DB9-289D-4798-A609-D5773091F8D2}" destId="{B6F9B241-EAB4-4EEA-BB70-BD378F42B057}" srcOrd="0" destOrd="0" presId="urn:microsoft.com/office/officeart/2005/8/layout/lProcess1"/>
+    <dgm:cxn modelId="{D4A6A838-6426-4B7C-8720-32399F0C1CE5}" type="presOf" srcId="{82D7AA7B-9168-4E06-80AA-5535C97B4806}" destId="{A9C8646A-9F7C-4E59-B7E8-0B65451B7CD0}" srcOrd="0" destOrd="0" presId="urn:microsoft.com/office/officeart/2005/8/layout/lProcess1"/>
+    <dgm:cxn modelId="{B2AD4321-4FA6-4EF4-B133-57A17B20AB8B}" srcId="{9F4E91B6-6F10-4A72-9F9E-9AB472D6E250}" destId="{44945DB9-289D-4798-A609-D5773091F8D2}" srcOrd="2" destOrd="0" parTransId="{1FAACDF3-31B3-4D63-A542-EAC4ECA9AA93}" sibTransId="{5F69FFEA-40F8-46C4-B6E7-DDC4BAE6C66B}"/>
+    <dgm:cxn modelId="{0A869B94-5BF7-4542-9632-5CA98E586360}" type="presOf" srcId="{D81CB5FC-82CC-4D57-B8D0-7BE4D7D49A39}" destId="{1B299ADB-B823-41D4-BBE3-1BCAE1E00B10}" srcOrd="0" destOrd="0" presId="urn:microsoft.com/office/officeart/2005/8/layout/lProcess1"/>
     <dgm:cxn modelId="{F888F431-B31D-4FB1-949D-499AADEAF2D6}" srcId="{58BD9956-F42E-4EB9-80AD-0047FFE68A88}" destId="{B2AAFE12-753F-4C7F-ABFD-583608937230}" srcOrd="1" destOrd="0" parTransId="{EAE41DA4-E48D-4A01-B875-45C66EB70F76}" sibTransId="{8D9FAC83-2BCF-4821-8DA8-062F55BDCC81}"/>
     <dgm:cxn modelId="{F3BBD5AB-7B3A-49D6-99BF-F0AB9A52698D}" srcId="{9F4E91B6-6F10-4A72-9F9E-9AB472D6E250}" destId="{C2F32362-1EC6-44CB-B851-B08CE42362BC}" srcOrd="0" destOrd="0" parTransId="{C2F47E80-F817-4E19-9D4B-63C7E813DF30}" sibTransId="{274AA0DB-4CE1-4B16-BFF2-35A44DEF4EDB}"/>
-    <dgm:cxn modelId="{4A364D31-3E07-4C37-8D05-7124126FAD8B}" type="presOf" srcId="{3D901C43-624E-4DE9-B46F-9504A6420D60}" destId="{13370D9D-6CB5-42DE-AB34-759E187C954E}" srcOrd="0" destOrd="0" presId="urn:microsoft.com/office/officeart/2005/8/layout/lProcess1"/>
+    <dgm:cxn modelId="{7A3A7468-330E-4FF7-AB2C-79EA88655A73}" type="presOf" srcId="{B0BFA49D-B1DD-44E1-9B11-4577463FE785}" destId="{4B48AC61-EBBF-4888-A631-0FFDE13DEBC9}" srcOrd="0" destOrd="0" presId="urn:microsoft.com/office/officeart/2005/8/layout/lProcess1"/>
+    <dgm:cxn modelId="{35FC447A-67C2-4139-AF58-83D7E131F896}" type="presOf" srcId="{1B5648B8-98DF-425E-AE69-8C6D6E526156}" destId="{700E580B-0374-4D3B-9B69-D79C4014EF87}" srcOrd="0" destOrd="0" presId="urn:microsoft.com/office/officeart/2005/8/layout/lProcess1"/>
+    <dgm:cxn modelId="{B36A05DF-589C-4840-B589-F1268674A30C}" srcId="{B2AAFE12-753F-4C7F-ABFD-583608937230}" destId="{3D901C43-624E-4DE9-B46F-9504A6420D60}" srcOrd="0" destOrd="0" parTransId="{C04FCBDA-7A4F-4211-AE56-7098E443FCB2}" sibTransId="{E0D36637-1ED4-4CAB-83EA-3EE2B1490628}"/>
+    <dgm:cxn modelId="{9DBB5013-A389-46FA-948A-8D478533C01D}" type="presOf" srcId="{BDAFBF87-4CFC-4344-BB59-B13C12345312}" destId="{AB8A7E3F-EB2B-4516-A19A-54EE91406F22}" srcOrd="0" destOrd="0" presId="urn:microsoft.com/office/officeart/2005/8/layout/lProcess1"/>
+    <dgm:cxn modelId="{BBB0D95A-2A0B-4ABE-AB32-13C0647BD223}" type="presOf" srcId="{274AA0DB-4CE1-4B16-BFF2-35A44DEF4EDB}" destId="{853D97F9-C408-4A11-8E46-B003FC8475D0}" srcOrd="0" destOrd="0" presId="urn:microsoft.com/office/officeart/2005/8/layout/lProcess1"/>
+    <dgm:cxn modelId="{E8D0262B-B718-437E-882B-F8E07263C543}" type="presOf" srcId="{42091B5C-388B-4721-B6A2-73D777569671}" destId="{324228C6-D326-4C19-A6D3-70437CA1599B}" srcOrd="0" destOrd="0" presId="urn:microsoft.com/office/officeart/2005/8/layout/lProcess1"/>
     <dgm:cxn modelId="{31B489A8-C56C-40A7-A63A-2863B65087C1}" srcId="{CE013924-C0BA-415C-AD90-FD1B0FB59D4A}" destId="{D81CB5FC-82CC-4D57-B8D0-7BE4D7D49A39}" srcOrd="0" destOrd="0" parTransId="{82D7AA7B-9168-4E06-80AA-5535C97B4806}" sibTransId="{0AD6D402-DB5A-496B-8F9E-D7CCF33752A5}"/>
-    <dgm:cxn modelId="{0A869B94-5BF7-4542-9632-5CA98E586360}" type="presOf" srcId="{D81CB5FC-82CC-4D57-B8D0-7BE4D7D49A39}" destId="{1B299ADB-B823-41D4-BBE3-1BCAE1E00B10}" srcOrd="0" destOrd="0" presId="urn:microsoft.com/office/officeart/2005/8/layout/lProcess1"/>
-    <dgm:cxn modelId="{3A67C503-B3D2-49D6-9DAD-CDEDADD444FF}" type="presOf" srcId="{CE013924-C0BA-415C-AD90-FD1B0FB59D4A}" destId="{5D7BE273-B8E7-42B6-A88A-52B41DBFA9EB}" srcOrd="0" destOrd="0" presId="urn:microsoft.com/office/officeart/2005/8/layout/lProcess1"/>
-    <dgm:cxn modelId="{9DBB5013-A389-46FA-948A-8D478533C01D}" type="presOf" srcId="{BDAFBF87-4CFC-4344-BB59-B13C12345312}" destId="{AB8A7E3F-EB2B-4516-A19A-54EE91406F22}" srcOrd="0" destOrd="0" presId="urn:microsoft.com/office/officeart/2005/8/layout/lProcess1"/>
-    <dgm:cxn modelId="{12530A47-4996-4DDA-8CF2-49EA4B16CCBD}" srcId="{9F4E91B6-6F10-4A72-9F9E-9AB472D6E250}" destId="{B86D66DC-EE2B-4FE5-801C-AF464918FD25}" srcOrd="1" destOrd="0" parTransId="{A0F149A7-3B62-48F2-900A-4E5B7BE3BA74}" sibTransId="{B0BFA49D-B1DD-44E1-9B11-4577463FE785}"/>
-    <dgm:cxn modelId="{15267593-DBA2-4C27-BDBF-50B96276C87A}" type="presOf" srcId="{44945DB9-289D-4798-A609-D5773091F8D2}" destId="{B6F9B241-EAB4-4EEA-BB70-BD378F42B057}" srcOrd="0" destOrd="0" presId="urn:microsoft.com/office/officeart/2005/8/layout/lProcess1"/>
-    <dgm:cxn modelId="{B36A05DF-589C-4840-B589-F1268674A30C}" srcId="{B2AAFE12-753F-4C7F-ABFD-583608937230}" destId="{3D901C43-624E-4DE9-B46F-9504A6420D60}" srcOrd="0" destOrd="0" parTransId="{C04FCBDA-7A4F-4211-AE56-7098E443FCB2}" sibTransId="{E0D36637-1ED4-4CAB-83EA-3EE2B1490628}"/>
-    <dgm:cxn modelId="{ECFBE565-C72E-4372-9BA7-6A4401B7CAB1}" srcId="{1B5648B8-98DF-425E-AE69-8C6D6E526156}" destId="{42091B5C-388B-4721-B6A2-73D777569671}" srcOrd="0" destOrd="0" parTransId="{BDAFBF87-4CFC-4344-BB59-B13C12345312}" sibTransId="{2D71DA12-1BD6-414A-BB6C-6E32B920DF59}"/>
-    <dgm:cxn modelId="{35FC447A-67C2-4139-AF58-83D7E131F896}" type="presOf" srcId="{1B5648B8-98DF-425E-AE69-8C6D6E526156}" destId="{700E580B-0374-4D3B-9B69-D79C4014EF87}" srcOrd="0" destOrd="0" presId="urn:microsoft.com/office/officeart/2005/8/layout/lProcess1"/>
-    <dgm:cxn modelId="{1A92D05D-DA66-4036-B8F6-562CF374EF70}" srcId="{58BD9956-F42E-4EB9-80AD-0047FFE68A88}" destId="{1B5648B8-98DF-425E-AE69-8C6D6E526156}" srcOrd="0" destOrd="0" parTransId="{F7AE92A1-DC59-420E-909E-2FBEEF20FA8F}" sibTransId="{EA0C92C0-6965-42D3-B8D7-A9872CE65C54}"/>
-    <dgm:cxn modelId="{75278709-0DD8-43D9-81B6-B9E9842D461F}" srcId="{B2AAFE12-753F-4C7F-ABFD-583608937230}" destId="{0CFB278C-1CEE-45BB-A8AC-59439EE4D0A0}" srcOrd="1" destOrd="0" parTransId="{7AAE07B1-F293-477F-9D72-5CC0B17062FE}" sibTransId="{433DEA81-D76F-45BE-86B4-5936ADC3CABC}"/>
-    <dgm:cxn modelId="{CCFD52B9-D658-4F5E-AF54-B58AEE2CAF65}" type="presOf" srcId="{C04FCBDA-7A4F-4211-AE56-7098E443FCB2}" destId="{077CDC9A-8AD3-4C30-BCAB-1EF9F136F497}" srcOrd="0" destOrd="0" presId="urn:microsoft.com/office/officeart/2005/8/layout/lProcess1"/>
-    <dgm:cxn modelId="{A5CBAD66-B66E-46D2-A852-184EBEE18EE2}" type="presOf" srcId="{0CFB278C-1CEE-45BB-A8AC-59439EE4D0A0}" destId="{CCF71A21-BF06-4864-87AC-4E5C97449EB5}" srcOrd="0" destOrd="0" presId="urn:microsoft.com/office/officeart/2005/8/layout/lProcess1"/>
-    <dgm:cxn modelId="{EDD10F3E-69BA-491B-86F3-81C6C03198E6}" type="presOf" srcId="{C2F47E80-F817-4E19-9D4B-63C7E813DF30}" destId="{A1DD8EEB-3274-46AD-BAC3-F7A78FC08483}" srcOrd="0" destOrd="0" presId="urn:microsoft.com/office/officeart/2005/8/layout/lProcess1"/>
-    <dgm:cxn modelId="{BBB0D95A-2A0B-4ABE-AB32-13C0647BD223}" type="presOf" srcId="{274AA0DB-4CE1-4B16-BFF2-35A44DEF4EDB}" destId="{853D97F9-C408-4A11-8E46-B003FC8475D0}" srcOrd="0" destOrd="0" presId="urn:microsoft.com/office/officeart/2005/8/layout/lProcess1"/>
-    <dgm:cxn modelId="{7E0489D3-07A2-4B85-A7E1-D462F77FF9AD}" srcId="{58BD9956-F42E-4EB9-80AD-0047FFE68A88}" destId="{9F4E91B6-6F10-4A72-9F9E-9AB472D6E250}" srcOrd="3" destOrd="0" parTransId="{CF7F0069-9B7E-470F-B6E3-7B11FBD43CB7}" sibTransId="{BCB06213-F09B-4336-BE40-478D358BEBCE}"/>
-    <dgm:cxn modelId="{B2AD4321-4FA6-4EF4-B133-57A17B20AB8B}" srcId="{9F4E91B6-6F10-4A72-9F9E-9AB472D6E250}" destId="{44945DB9-289D-4798-A609-D5773091F8D2}" srcOrd="2" destOrd="0" parTransId="{1FAACDF3-31B3-4D63-A542-EAC4ECA9AA93}" sibTransId="{5F69FFEA-40F8-46C4-B6E7-DDC4BAE6C66B}"/>
-    <dgm:cxn modelId="{D4A6A838-6426-4B7C-8720-32399F0C1CE5}" type="presOf" srcId="{82D7AA7B-9168-4E06-80AA-5535C97B4806}" destId="{A9C8646A-9F7C-4E59-B7E8-0B65451B7CD0}" srcOrd="0" destOrd="0" presId="urn:microsoft.com/office/officeart/2005/8/layout/lProcess1"/>
-    <dgm:cxn modelId="{7A3A7468-330E-4FF7-AB2C-79EA88655A73}" type="presOf" srcId="{B0BFA49D-B1DD-44E1-9B11-4577463FE785}" destId="{4B48AC61-EBBF-4888-A631-0FFDE13DEBC9}" srcOrd="0" destOrd="0" presId="urn:microsoft.com/office/officeart/2005/8/layout/lProcess1"/>
-    <dgm:cxn modelId="{BEFB23FF-5EAF-49B3-BE16-3D8150B75CBC}" type="presOf" srcId="{B2AAFE12-753F-4C7F-ABFD-583608937230}" destId="{6A2B9185-7DFA-4528-8344-ECA4291281DE}" srcOrd="0" destOrd="0" presId="urn:microsoft.com/office/officeart/2005/8/layout/lProcess1"/>
-    <dgm:cxn modelId="{18C1D44C-53FB-4D6D-863A-7AEC2276337E}" type="presOf" srcId="{B86D66DC-EE2B-4FE5-801C-AF464918FD25}" destId="{0E0E4B96-A951-4ADD-B759-F418CECBAAC6}" srcOrd="0" destOrd="0" presId="urn:microsoft.com/office/officeart/2005/8/layout/lProcess1"/>
-    <dgm:cxn modelId="{E8D0262B-B718-437E-882B-F8E07263C543}" type="presOf" srcId="{42091B5C-388B-4721-B6A2-73D777569671}" destId="{324228C6-D326-4C19-A6D3-70437CA1599B}" srcOrd="0" destOrd="0" presId="urn:microsoft.com/office/officeart/2005/8/layout/lProcess1"/>
     <dgm:cxn modelId="{E305B329-F43A-4D01-80C0-66F1D0DD9396}" type="presParOf" srcId="{5C353C69-625B-4AD3-904C-9C49CD56EC3F}" destId="{4471A1C0-3C84-4C33-9E2F-A9BE55B6EE58}" srcOrd="0" destOrd="0" presId="urn:microsoft.com/office/officeart/2005/8/layout/lProcess1"/>
     <dgm:cxn modelId="{91F8478F-4096-4784-843D-A3296FD38A60}" type="presParOf" srcId="{4471A1C0-3C84-4C33-9E2F-A9BE55B6EE58}" destId="{700E580B-0374-4D3B-9B69-D79C4014EF87}" srcOrd="0" destOrd="0" presId="urn:microsoft.com/office/officeart/2005/8/layout/lProcess1"/>
     <dgm:cxn modelId="{CADC9F58-3B0F-40DE-8FC6-E144B4CBAC2F}" type="presParOf" srcId="{4471A1C0-3C84-4C33-9E2F-A9BE55B6EE58}" destId="{AB8A7E3F-EB2B-4516-A19A-54EE91406F22}" srcOrd="1" destOrd="0" presId="urn:microsoft.com/office/officeart/2005/8/layout/lProcess1"/>
@@ -4639,7 +4639,7 @@
           <a:p>
             <a:fld id="{02AC24A9-CCB6-4F8D-B8DB-C2F3692CFA5A}" type="datetimeFigureOut">
               <a:rPr lang="en-US" smtClean="0"/>
-              <a:t>1/21/2020</a:t>
+              <a:t>1/29/2020</a:t>
             </a:fld>
             <a:endParaRPr lang="en-US" dirty="0"/>
           </a:p>
@@ -5009,7 +5009,7 @@
           <a:p>
             <a:fld id="{02AC24A9-CCB6-4F8D-B8DB-C2F3692CFA5A}" type="datetimeFigureOut">
               <a:rPr lang="en-US" smtClean="0"/>
-              <a:t>1/21/2020</a:t>
+              <a:t>1/29/2020</a:t>
             </a:fld>
             <a:endParaRPr lang="en-US"/>
           </a:p>
@@ -5218,7 +5218,7 @@
           <a:p>
             <a:fld id="{02AC24A9-CCB6-4F8D-B8DB-C2F3692CFA5A}" type="datetimeFigureOut">
               <a:rPr lang="en-US" smtClean="0"/>
-              <a:t>1/21/2020</a:t>
+              <a:t>1/29/2020</a:t>
             </a:fld>
             <a:endParaRPr lang="en-US"/>
           </a:p>
@@ -5688,7 +5688,7 @@
           <a:p>
             <a:fld id="{02AC24A9-CCB6-4F8D-B8DB-C2F3692CFA5A}" type="datetimeFigureOut">
               <a:rPr lang="en-US" smtClean="0"/>
-              <a:t>1/21/2020</a:t>
+              <a:t>1/29/2020</a:t>
             </a:fld>
             <a:endParaRPr lang="en-US"/>
           </a:p>
@@ -6142,7 +6142,7 @@
           <a:p>
             <a:fld id="{02AC24A9-CCB6-4F8D-B8DB-C2F3692CFA5A}" type="datetimeFigureOut">
               <a:rPr lang="en-US" smtClean="0"/>
-              <a:t>1/21/2020</a:t>
+              <a:t>1/29/2020</a:t>
             </a:fld>
             <a:endParaRPr lang="en-US"/>
           </a:p>
@@ -6674,7 +6674,7 @@
           <a:p>
             <a:fld id="{02AC24A9-CCB6-4F8D-B8DB-C2F3692CFA5A}" type="datetimeFigureOut">
               <a:rPr lang="en-US" smtClean="0"/>
-              <a:t>1/21/2020</a:t>
+              <a:t>1/29/2020</a:t>
             </a:fld>
             <a:endParaRPr lang="en-US"/>
           </a:p>
@@ -7373,7 +7373,7 @@
           <a:p>
             <a:fld id="{02AC24A9-CCB6-4F8D-B8DB-C2F3692CFA5A}" type="datetimeFigureOut">
               <a:rPr lang="en-US" smtClean="0"/>
-              <a:t>1/21/2020</a:t>
+              <a:t>1/29/2020</a:t>
             </a:fld>
             <a:endParaRPr lang="en-US"/>
           </a:p>
@@ -7702,7 +7702,7 @@
           <a:p>
             <a:fld id="{02AC24A9-CCB6-4F8D-B8DB-C2F3692CFA5A}" type="datetimeFigureOut">
               <a:rPr lang="en-US" smtClean="0"/>
-              <a:t>1/21/2020</a:t>
+              <a:t>1/29/2020</a:t>
             </a:fld>
             <a:endParaRPr lang="en-US"/>
           </a:p>
@@ -7815,7 +7815,7 @@
           <a:p>
             <a:fld id="{02AC24A9-CCB6-4F8D-B8DB-C2F3692CFA5A}" type="datetimeFigureOut">
               <a:rPr lang="en-US" smtClean="0"/>
-              <a:t>1/21/2020</a:t>
+              <a:t>1/29/2020</a:t>
             </a:fld>
             <a:endParaRPr lang="en-US"/>
           </a:p>
@@ -8310,7 +8310,7 @@
           <a:p>
             <a:fld id="{02AC24A9-CCB6-4F8D-B8DB-C2F3692CFA5A}" type="datetimeFigureOut">
               <a:rPr lang="en-US" smtClean="0"/>
-              <a:t>1/21/2020</a:t>
+              <a:t>1/29/2020</a:t>
             </a:fld>
             <a:endParaRPr lang="en-US" dirty="0"/>
           </a:p>
@@ -8787,7 +8787,7 @@
           <a:p>
             <a:fld id="{02AC24A9-CCB6-4F8D-B8DB-C2F3692CFA5A}" type="datetimeFigureOut">
               <a:rPr lang="en-US" smtClean="0"/>
-              <a:t>1/21/2020</a:t>
+              <a:t>1/29/2020</a:t>
             </a:fld>
             <a:endParaRPr lang="en-US"/>
           </a:p>
@@ -9030,7 +9030,7 @@
           <a:p>
             <a:fld id="{02AC24A9-CCB6-4F8D-B8DB-C2F3692CFA5A}" type="datetimeFigureOut">
               <a:rPr lang="en-US" smtClean="0"/>
-              <a:t>1/21/2020</a:t>
+              <a:t>1/29/2020</a:t>
             </a:fld>
             <a:endParaRPr lang="en-US"/>
           </a:p>
@@ -9463,7 +9463,7 @@
                 <a16:creationId xmlns:a16="http://schemas.microsoft.com/office/drawing/2014/main" id="{2FB82883-1DC0-4BE1-A607-009095F3355A}"/>
               </a:ext>
               <a:ext uri="{C183D7F6-B498-43B3-948B-1728B52AA6E4}">
-                <adec:decorative xmlns:adec="http://schemas.microsoft.com/office/drawing/2017/decorative" xmlns="" val="1"/>
+                <adec:decorative xmlns="" xmlns:adec="http://schemas.microsoft.com/office/drawing/2017/decorative" val="1"/>
               </a:ext>
             </a:extLst>
           </p:cNvPr>
@@ -9552,7 +9552,7 @@
                 <a16:creationId xmlns:a16="http://schemas.microsoft.com/office/drawing/2014/main" id="{A3473CF9-37EB-43E7-89EF-D2D1C53D1DAC}"/>
               </a:ext>
               <a:ext uri="{C183D7F6-B498-43B3-948B-1728B52AA6E4}">
-                <adec:decorative xmlns:adec="http://schemas.microsoft.com/office/drawing/2017/decorative" xmlns="" val="1"/>
+                <adec:decorative xmlns="" xmlns:adec="http://schemas.microsoft.com/office/drawing/2017/decorative" val="1"/>
               </a:ext>
             </a:extLst>
           </p:cNvPr>
@@ -9689,7 +9689,7 @@
                 <a16:creationId xmlns:a16="http://schemas.microsoft.com/office/drawing/2014/main" id="{586B4EF9-43BA-4655-A6FF-1D8E21574C95}"/>
               </a:ext>
               <a:ext uri="{C183D7F6-B498-43B3-948B-1728B52AA6E4}">
-                <adec:decorative xmlns:adec="http://schemas.microsoft.com/office/drawing/2017/decorative" xmlns="" val="1"/>
+                <adec:decorative xmlns="" xmlns:adec="http://schemas.microsoft.com/office/drawing/2017/decorative" val="1"/>
               </a:ext>
             </a:extLst>
           </p:cNvPr>
@@ -9863,7 +9863,7 @@
         </p:nvSpPr>
         <p:spPr>
           <a:xfrm flipH="1">
-            <a:off x="4553526" y="1921165"/>
+            <a:off x="4525817" y="1597893"/>
             <a:ext cx="6060702" cy="530750"/>
           </a:xfrm>
           <a:prstGeom prst="uturnArrow">
